--- a/presentation/Radio Signal Characterization.pptx
+++ b/presentation/Radio Signal Characterization.pptx
@@ -23,16 +23,21 @@
     <p:sldId id="268" r:id="rId18"/>
     <p:sldId id="269" r:id="rId19"/>
     <p:sldId id="270" r:id="rId20"/>
+    <p:sldId id="271" r:id="rId21"/>
+    <p:sldId id="272" r:id="rId22"/>
+    <p:sldId id="273" r:id="rId23"/>
+    <p:sldId id="274" r:id="rId24"/>
+    <p:sldId id="275" r:id="rId25"/>
   </p:sldIdLst>
   <p:sldSz cy="5143500" cx="9144000"/>
   <p:notesSz cx="6858000" cy="9144000"/>
   <p:embeddedFontLst>
     <p:embeddedFont>
       <p:font typeface="Proxima Nova"/>
-      <p:regular r:id="rId21"/>
-      <p:bold r:id="rId22"/>
-      <p:italic r:id="rId23"/>
-      <p:boldItalic r:id="rId24"/>
+      <p:regular r:id="rId26"/>
+      <p:bold r:id="rId27"/>
+      <p:italic r:id="rId28"/>
+      <p:boldItalic r:id="rId29"/>
     </p:embeddedFont>
   </p:embeddedFontLst>
   <p:defaultTextStyle>
@@ -811,7 +816,7 @@
   <p:cSld>
     <p:spTree>
       <p:nvGrpSpPr>
-        <p:cNvPr id="110" name="Shape 110"/>
+        <p:cNvPr id="116" name="Shape 116"/>
         <p:cNvGrpSpPr/>
         <p:nvPr/>
       </p:nvGrpSpPr>
@@ -825,7 +830,7 @@
       </p:grpSpPr>
       <p:sp>
         <p:nvSpPr>
-          <p:cNvPr id="111" name="Google Shape;111;g59ca75788c_1_37:notes"/>
+          <p:cNvPr id="117" name="Google Shape;117;g59ca75788c_3_21:notes"/>
           <p:cNvSpPr/>
           <p:nvPr>
             <p:ph idx="2" type="sldImg"/>
@@ -860,7 +865,7 @@
       </p:sp>
       <p:sp>
         <p:nvSpPr>
-          <p:cNvPr id="112" name="Google Shape;112;g59ca75788c_1_37:notes"/>
+          <p:cNvPr id="118" name="Google Shape;118;g59ca75788c_3_21:notes"/>
           <p:cNvSpPr txBox="1"/>
           <p:nvPr>
             <p:ph idx="1" type="body"/>
@@ -910,7 +915,7 @@
   <p:cSld>
     <p:spTree>
       <p:nvGrpSpPr>
-        <p:cNvPr id="116" name="Shape 116"/>
+        <p:cNvPr id="122" name="Shape 122"/>
         <p:cNvGrpSpPr/>
         <p:nvPr/>
       </p:nvGrpSpPr>
@@ -924,7 +929,7 @@
       </p:grpSpPr>
       <p:sp>
         <p:nvSpPr>
-          <p:cNvPr id="117" name="Google Shape;117;g59ca75788c_1_42:notes"/>
+          <p:cNvPr id="123" name="Google Shape;123;g59ca75788c_4_13:notes"/>
           <p:cNvSpPr/>
           <p:nvPr>
             <p:ph idx="2" type="sldImg"/>
@@ -959,7 +964,7 @@
       </p:sp>
       <p:sp>
         <p:nvSpPr>
-          <p:cNvPr id="118" name="Google Shape;118;g59ca75788c_1_42:notes"/>
+          <p:cNvPr id="124" name="Google Shape;124;g59ca75788c_4_13:notes"/>
           <p:cNvSpPr txBox="1"/>
           <p:nvPr>
             <p:ph idx="1" type="body"/>
@@ -1009,7 +1014,7 @@
   <p:cSld>
     <p:spTree>
       <p:nvGrpSpPr>
-        <p:cNvPr id="122" name="Shape 122"/>
+        <p:cNvPr id="128" name="Shape 128"/>
         <p:cNvGrpSpPr/>
         <p:nvPr/>
       </p:nvGrpSpPr>
@@ -1023,7 +1028,7 @@
       </p:grpSpPr>
       <p:sp>
         <p:nvSpPr>
-          <p:cNvPr id="123" name="Google Shape;123;g59ca75788c_1_47:notes"/>
+          <p:cNvPr id="129" name="Google Shape;129;g59ca75788c_1_15:notes"/>
           <p:cNvSpPr/>
           <p:nvPr>
             <p:ph idx="2" type="sldImg"/>
@@ -1058,7 +1063,7 @@
       </p:sp>
       <p:sp>
         <p:nvSpPr>
-          <p:cNvPr id="124" name="Google Shape;124;g59ca75788c_1_47:notes"/>
+          <p:cNvPr id="130" name="Google Shape;130;g59ca75788c_1_15:notes"/>
           <p:cNvSpPr txBox="1"/>
           <p:nvPr>
             <p:ph idx="1" type="body"/>
@@ -1108,7 +1113,7 @@
   <p:cSld>
     <p:spTree>
       <p:nvGrpSpPr>
-        <p:cNvPr id="128" name="Shape 128"/>
+        <p:cNvPr id="134" name="Shape 134"/>
         <p:cNvGrpSpPr/>
         <p:nvPr/>
       </p:nvGrpSpPr>
@@ -1122,7 +1127,7 @@
       </p:grpSpPr>
       <p:sp>
         <p:nvSpPr>
-          <p:cNvPr id="129" name="Google Shape;129;g59ca75788c_1_52:notes"/>
+          <p:cNvPr id="135" name="Google Shape;135;g59ca75788c_1_27:notes"/>
           <p:cNvSpPr/>
           <p:nvPr>
             <p:ph idx="2" type="sldImg"/>
@@ -1157,7 +1162,7 @@
       </p:sp>
       <p:sp>
         <p:nvSpPr>
-          <p:cNvPr id="130" name="Google Shape;130;g59ca75788c_1_52:notes"/>
+          <p:cNvPr id="136" name="Google Shape;136;g59ca75788c_1_27:notes"/>
           <p:cNvSpPr txBox="1"/>
           <p:nvPr>
             <p:ph idx="1" type="body"/>
@@ -1207,7 +1212,7 @@
   <p:cSld>
     <p:spTree>
       <p:nvGrpSpPr>
-        <p:cNvPr id="134" name="Shape 134"/>
+        <p:cNvPr id="140" name="Shape 140"/>
         <p:cNvGrpSpPr/>
         <p:nvPr/>
       </p:nvGrpSpPr>
@@ -1221,7 +1226,7 @@
       </p:grpSpPr>
       <p:sp>
         <p:nvSpPr>
-          <p:cNvPr id="135" name="Google Shape;135;g59ca75788c_1_57:notes"/>
+          <p:cNvPr id="141" name="Google Shape;141;g59ca75788c_1_32:notes"/>
           <p:cNvSpPr/>
           <p:nvPr>
             <p:ph idx="2" type="sldImg"/>
@@ -1256,7 +1261,7 @@
       </p:sp>
       <p:sp>
         <p:nvSpPr>
-          <p:cNvPr id="136" name="Google Shape;136;g59ca75788c_1_57:notes"/>
+          <p:cNvPr id="142" name="Google Shape;142;g59ca75788c_1_32:notes"/>
           <p:cNvSpPr txBox="1"/>
           <p:nvPr>
             <p:ph idx="1" type="body"/>
@@ -1306,7 +1311,7 @@
   <p:cSld>
     <p:spTree>
       <p:nvGrpSpPr>
-        <p:cNvPr id="140" name="Shape 140"/>
+        <p:cNvPr id="146" name="Shape 146"/>
         <p:cNvGrpSpPr/>
         <p:nvPr/>
       </p:nvGrpSpPr>
@@ -1320,7 +1325,7 @@
       </p:grpSpPr>
       <p:sp>
         <p:nvSpPr>
-          <p:cNvPr id="141" name="Google Shape;141;g59ca75788c_1_62:notes"/>
+          <p:cNvPr id="147" name="Google Shape;147;g59ca75788c_1_37:notes"/>
           <p:cNvSpPr/>
           <p:nvPr>
             <p:ph idx="2" type="sldImg"/>
@@ -1355,7 +1360,403 @@
       </p:sp>
       <p:sp>
         <p:nvSpPr>
-          <p:cNvPr id="142" name="Google Shape;142;g59ca75788c_1_62:notes"/>
+          <p:cNvPr id="148" name="Google Shape;148;g59ca75788c_1_37:notes"/>
+          <p:cNvSpPr txBox="1"/>
+          <p:nvPr>
+            <p:ph idx="1" type="body"/>
+          </p:nvPr>
+        </p:nvSpPr>
+        <p:spPr>
+          <a:xfrm>
+            <a:off x="685800" y="4343400"/>
+            <a:ext cx="5486400" cy="4114800"/>
+          </a:xfrm>
+          <a:prstGeom prst="rect">
+            <a:avLst/>
+          </a:prstGeom>
+        </p:spPr>
+        <p:txBody>
+          <a:bodyPr anchorCtr="0" anchor="t" bIns="91425" lIns="91425" spcFirstLastPara="1" rIns="91425" wrap="square" tIns="91425">
+            <a:noAutofit/>
+          </a:bodyPr>
+          <a:lstStyle/>
+          <a:p>
+            <a:pPr indent="0" lvl="0" marL="0" rtl="0" algn="l">
+              <a:spcBef>
+                <a:spcPts val="0"/>
+              </a:spcBef>
+              <a:spcAft>
+                <a:spcPts val="0"/>
+              </a:spcAft>
+              <a:buNone/>
+            </a:pPr>
+            <a:r>
+              <a:t/>
+            </a:r>
+            <a:endParaRPr/>
+          </a:p>
+        </p:txBody>
+      </p:sp>
+    </p:spTree>
+  </p:cSld>
+  <p:clrMapOvr>
+    <a:masterClrMapping/>
+  </p:clrMapOvr>
+</p:notes>
+</file>
+
+<file path=ppt/notesSlides/notesSlide16.xml><?xml version="1.0" encoding="utf-8"?>
+<p:notes xmlns:a="http://schemas.openxmlformats.org/drawingml/2006/main" xmlns:r="http://schemas.openxmlformats.org/officeDocument/2006/relationships" xmlns:mc="http://schemas.openxmlformats.org/markup-compatibility/2006" xmlns:mv="urn:schemas-microsoft-com:mac:vml" xmlns:p="http://schemas.openxmlformats.org/presentationml/2006/main" xmlns:c="http://schemas.openxmlformats.org/drawingml/2006/chart" xmlns:dgm="http://schemas.openxmlformats.org/drawingml/2006/diagram" xmlns:o="urn:schemas-microsoft-com:office:office" xmlns:v="urn:schemas-microsoft-com:vml" xmlns:pvml="urn:schemas-microsoft-com:office:powerpoint" xmlns:com="http://schemas.openxmlformats.org/drawingml/2006/compatibility" xmlns:p14="http://schemas.microsoft.com/office/powerpoint/2010/main" xmlns:p15="http://schemas.microsoft.com/office/powerpoint/2012/main" showMasterPhAnim="0" showMasterSp="0">
+  <p:cSld>
+    <p:spTree>
+      <p:nvGrpSpPr>
+        <p:cNvPr id="152" name="Shape 152"/>
+        <p:cNvGrpSpPr/>
+        <p:nvPr/>
+      </p:nvGrpSpPr>
+      <p:grpSpPr>
+        <a:xfrm>
+          <a:off x="0" y="0"/>
+          <a:ext cx="0" cy="0"/>
+          <a:chOff x="0" y="0"/>
+          <a:chExt cx="0" cy="0"/>
+        </a:xfrm>
+      </p:grpSpPr>
+      <p:sp>
+        <p:nvSpPr>
+          <p:cNvPr id="153" name="Google Shape;153;g59ca75788c_1_42:notes"/>
+          <p:cNvSpPr/>
+          <p:nvPr>
+            <p:ph idx="2" type="sldImg"/>
+          </p:nvPr>
+        </p:nvSpPr>
+        <p:spPr>
+          <a:xfrm>
+            <a:off x="381300" y="685800"/>
+            <a:ext cx="6096000" cy="3429000"/>
+          </a:xfrm>
+          <a:custGeom>
+            <a:rect b="b" l="l" r="r" t="t"/>
+            <a:pathLst>
+              <a:path extrusionOk="0" h="120000" w="120000">
+                <a:moveTo>
+                  <a:pt x="0" y="0"/>
+                </a:moveTo>
+                <a:lnTo>
+                  <a:pt x="120000" y="0"/>
+                </a:lnTo>
+                <a:lnTo>
+                  <a:pt x="120000" y="120000"/>
+                </a:lnTo>
+                <a:lnTo>
+                  <a:pt x="0" y="120000"/>
+                </a:lnTo>
+                <a:close/>
+              </a:path>
+            </a:pathLst>
+          </a:custGeom>
+        </p:spPr>
+      </p:sp>
+      <p:sp>
+        <p:nvSpPr>
+          <p:cNvPr id="154" name="Google Shape;154;g59ca75788c_1_42:notes"/>
+          <p:cNvSpPr txBox="1"/>
+          <p:nvPr>
+            <p:ph idx="1" type="body"/>
+          </p:nvPr>
+        </p:nvSpPr>
+        <p:spPr>
+          <a:xfrm>
+            <a:off x="685800" y="4343400"/>
+            <a:ext cx="5486400" cy="4114800"/>
+          </a:xfrm>
+          <a:prstGeom prst="rect">
+            <a:avLst/>
+          </a:prstGeom>
+        </p:spPr>
+        <p:txBody>
+          <a:bodyPr anchorCtr="0" anchor="t" bIns="91425" lIns="91425" spcFirstLastPara="1" rIns="91425" wrap="square" tIns="91425">
+            <a:noAutofit/>
+          </a:bodyPr>
+          <a:lstStyle/>
+          <a:p>
+            <a:pPr indent="0" lvl="0" marL="0" rtl="0" algn="l">
+              <a:spcBef>
+                <a:spcPts val="0"/>
+              </a:spcBef>
+              <a:spcAft>
+                <a:spcPts val="0"/>
+              </a:spcAft>
+              <a:buNone/>
+            </a:pPr>
+            <a:r>
+              <a:t/>
+            </a:r>
+            <a:endParaRPr/>
+          </a:p>
+        </p:txBody>
+      </p:sp>
+    </p:spTree>
+  </p:cSld>
+  <p:clrMapOvr>
+    <a:masterClrMapping/>
+  </p:clrMapOvr>
+</p:notes>
+</file>
+
+<file path=ppt/notesSlides/notesSlide17.xml><?xml version="1.0" encoding="utf-8"?>
+<p:notes xmlns:a="http://schemas.openxmlformats.org/drawingml/2006/main" xmlns:r="http://schemas.openxmlformats.org/officeDocument/2006/relationships" xmlns:mc="http://schemas.openxmlformats.org/markup-compatibility/2006" xmlns:mv="urn:schemas-microsoft-com:mac:vml" xmlns:p="http://schemas.openxmlformats.org/presentationml/2006/main" xmlns:c="http://schemas.openxmlformats.org/drawingml/2006/chart" xmlns:dgm="http://schemas.openxmlformats.org/drawingml/2006/diagram" xmlns:o="urn:schemas-microsoft-com:office:office" xmlns:v="urn:schemas-microsoft-com:vml" xmlns:pvml="urn:schemas-microsoft-com:office:powerpoint" xmlns:com="http://schemas.openxmlformats.org/drawingml/2006/compatibility" xmlns:p14="http://schemas.microsoft.com/office/powerpoint/2010/main" xmlns:p15="http://schemas.microsoft.com/office/powerpoint/2012/main" showMasterPhAnim="0" showMasterSp="0">
+  <p:cSld>
+    <p:spTree>
+      <p:nvGrpSpPr>
+        <p:cNvPr id="158" name="Shape 158"/>
+        <p:cNvGrpSpPr/>
+        <p:nvPr/>
+      </p:nvGrpSpPr>
+      <p:grpSpPr>
+        <a:xfrm>
+          <a:off x="0" y="0"/>
+          <a:ext cx="0" cy="0"/>
+          <a:chOff x="0" y="0"/>
+          <a:chExt cx="0" cy="0"/>
+        </a:xfrm>
+      </p:grpSpPr>
+      <p:sp>
+        <p:nvSpPr>
+          <p:cNvPr id="159" name="Google Shape;159;g59ca75788c_1_47:notes"/>
+          <p:cNvSpPr/>
+          <p:nvPr>
+            <p:ph idx="2" type="sldImg"/>
+          </p:nvPr>
+        </p:nvSpPr>
+        <p:spPr>
+          <a:xfrm>
+            <a:off x="381300" y="685800"/>
+            <a:ext cx="6096000" cy="3429000"/>
+          </a:xfrm>
+          <a:custGeom>
+            <a:rect b="b" l="l" r="r" t="t"/>
+            <a:pathLst>
+              <a:path extrusionOk="0" h="120000" w="120000">
+                <a:moveTo>
+                  <a:pt x="0" y="0"/>
+                </a:moveTo>
+                <a:lnTo>
+                  <a:pt x="120000" y="0"/>
+                </a:lnTo>
+                <a:lnTo>
+                  <a:pt x="120000" y="120000"/>
+                </a:lnTo>
+                <a:lnTo>
+                  <a:pt x="0" y="120000"/>
+                </a:lnTo>
+                <a:close/>
+              </a:path>
+            </a:pathLst>
+          </a:custGeom>
+        </p:spPr>
+      </p:sp>
+      <p:sp>
+        <p:nvSpPr>
+          <p:cNvPr id="160" name="Google Shape;160;g59ca75788c_1_47:notes"/>
+          <p:cNvSpPr txBox="1"/>
+          <p:nvPr>
+            <p:ph idx="1" type="body"/>
+          </p:nvPr>
+        </p:nvSpPr>
+        <p:spPr>
+          <a:xfrm>
+            <a:off x="685800" y="4343400"/>
+            <a:ext cx="5486400" cy="4114800"/>
+          </a:xfrm>
+          <a:prstGeom prst="rect">
+            <a:avLst/>
+          </a:prstGeom>
+        </p:spPr>
+        <p:txBody>
+          <a:bodyPr anchorCtr="0" anchor="t" bIns="91425" lIns="91425" spcFirstLastPara="1" rIns="91425" wrap="square" tIns="91425">
+            <a:noAutofit/>
+          </a:bodyPr>
+          <a:lstStyle/>
+          <a:p>
+            <a:pPr indent="0" lvl="0" marL="0" rtl="0" algn="l">
+              <a:spcBef>
+                <a:spcPts val="0"/>
+              </a:spcBef>
+              <a:spcAft>
+                <a:spcPts val="0"/>
+              </a:spcAft>
+              <a:buNone/>
+            </a:pPr>
+            <a:r>
+              <a:t/>
+            </a:r>
+            <a:endParaRPr/>
+          </a:p>
+        </p:txBody>
+      </p:sp>
+    </p:spTree>
+  </p:cSld>
+  <p:clrMapOvr>
+    <a:masterClrMapping/>
+  </p:clrMapOvr>
+</p:notes>
+</file>
+
+<file path=ppt/notesSlides/notesSlide18.xml><?xml version="1.0" encoding="utf-8"?>
+<p:notes xmlns:a="http://schemas.openxmlformats.org/drawingml/2006/main" xmlns:r="http://schemas.openxmlformats.org/officeDocument/2006/relationships" xmlns:mc="http://schemas.openxmlformats.org/markup-compatibility/2006" xmlns:mv="urn:schemas-microsoft-com:mac:vml" xmlns:p="http://schemas.openxmlformats.org/presentationml/2006/main" xmlns:c="http://schemas.openxmlformats.org/drawingml/2006/chart" xmlns:dgm="http://schemas.openxmlformats.org/drawingml/2006/diagram" xmlns:o="urn:schemas-microsoft-com:office:office" xmlns:v="urn:schemas-microsoft-com:vml" xmlns:pvml="urn:schemas-microsoft-com:office:powerpoint" xmlns:com="http://schemas.openxmlformats.org/drawingml/2006/compatibility" xmlns:p14="http://schemas.microsoft.com/office/powerpoint/2010/main" xmlns:p15="http://schemas.microsoft.com/office/powerpoint/2012/main" showMasterPhAnim="0" showMasterSp="0">
+  <p:cSld>
+    <p:spTree>
+      <p:nvGrpSpPr>
+        <p:cNvPr id="164" name="Shape 164"/>
+        <p:cNvGrpSpPr/>
+        <p:nvPr/>
+      </p:nvGrpSpPr>
+      <p:grpSpPr>
+        <a:xfrm>
+          <a:off x="0" y="0"/>
+          <a:ext cx="0" cy="0"/>
+          <a:chOff x="0" y="0"/>
+          <a:chExt cx="0" cy="0"/>
+        </a:xfrm>
+      </p:grpSpPr>
+      <p:sp>
+        <p:nvSpPr>
+          <p:cNvPr id="165" name="Google Shape;165;g59ca75788c_1_52:notes"/>
+          <p:cNvSpPr/>
+          <p:nvPr>
+            <p:ph idx="2" type="sldImg"/>
+          </p:nvPr>
+        </p:nvSpPr>
+        <p:spPr>
+          <a:xfrm>
+            <a:off x="381300" y="685800"/>
+            <a:ext cx="6096000" cy="3429000"/>
+          </a:xfrm>
+          <a:custGeom>
+            <a:rect b="b" l="l" r="r" t="t"/>
+            <a:pathLst>
+              <a:path extrusionOk="0" h="120000" w="120000">
+                <a:moveTo>
+                  <a:pt x="0" y="0"/>
+                </a:moveTo>
+                <a:lnTo>
+                  <a:pt x="120000" y="0"/>
+                </a:lnTo>
+                <a:lnTo>
+                  <a:pt x="120000" y="120000"/>
+                </a:lnTo>
+                <a:lnTo>
+                  <a:pt x="0" y="120000"/>
+                </a:lnTo>
+                <a:close/>
+              </a:path>
+            </a:pathLst>
+          </a:custGeom>
+        </p:spPr>
+      </p:sp>
+      <p:sp>
+        <p:nvSpPr>
+          <p:cNvPr id="166" name="Google Shape;166;g59ca75788c_1_52:notes"/>
+          <p:cNvSpPr txBox="1"/>
+          <p:nvPr>
+            <p:ph idx="1" type="body"/>
+          </p:nvPr>
+        </p:nvSpPr>
+        <p:spPr>
+          <a:xfrm>
+            <a:off x="685800" y="4343400"/>
+            <a:ext cx="5486400" cy="4114800"/>
+          </a:xfrm>
+          <a:prstGeom prst="rect">
+            <a:avLst/>
+          </a:prstGeom>
+        </p:spPr>
+        <p:txBody>
+          <a:bodyPr anchorCtr="0" anchor="t" bIns="91425" lIns="91425" spcFirstLastPara="1" rIns="91425" wrap="square" tIns="91425">
+            <a:noAutofit/>
+          </a:bodyPr>
+          <a:lstStyle/>
+          <a:p>
+            <a:pPr indent="0" lvl="0" marL="0" rtl="0" algn="l">
+              <a:spcBef>
+                <a:spcPts val="0"/>
+              </a:spcBef>
+              <a:spcAft>
+                <a:spcPts val="0"/>
+              </a:spcAft>
+              <a:buNone/>
+            </a:pPr>
+            <a:r>
+              <a:t/>
+            </a:r>
+            <a:endParaRPr/>
+          </a:p>
+        </p:txBody>
+      </p:sp>
+    </p:spTree>
+  </p:cSld>
+  <p:clrMapOvr>
+    <a:masterClrMapping/>
+  </p:clrMapOvr>
+</p:notes>
+</file>
+
+<file path=ppt/notesSlides/notesSlide19.xml><?xml version="1.0" encoding="utf-8"?>
+<p:notes xmlns:a="http://schemas.openxmlformats.org/drawingml/2006/main" xmlns:r="http://schemas.openxmlformats.org/officeDocument/2006/relationships" xmlns:mc="http://schemas.openxmlformats.org/markup-compatibility/2006" xmlns:mv="urn:schemas-microsoft-com:mac:vml" xmlns:p="http://schemas.openxmlformats.org/presentationml/2006/main" xmlns:c="http://schemas.openxmlformats.org/drawingml/2006/chart" xmlns:dgm="http://schemas.openxmlformats.org/drawingml/2006/diagram" xmlns:o="urn:schemas-microsoft-com:office:office" xmlns:v="urn:schemas-microsoft-com:vml" xmlns:pvml="urn:schemas-microsoft-com:office:powerpoint" xmlns:com="http://schemas.openxmlformats.org/drawingml/2006/compatibility" xmlns:p14="http://schemas.microsoft.com/office/powerpoint/2010/main" xmlns:p15="http://schemas.microsoft.com/office/powerpoint/2012/main" showMasterPhAnim="0" showMasterSp="0">
+  <p:cSld>
+    <p:spTree>
+      <p:nvGrpSpPr>
+        <p:cNvPr id="170" name="Shape 170"/>
+        <p:cNvGrpSpPr/>
+        <p:nvPr/>
+      </p:nvGrpSpPr>
+      <p:grpSpPr>
+        <a:xfrm>
+          <a:off x="0" y="0"/>
+          <a:ext cx="0" cy="0"/>
+          <a:chOff x="0" y="0"/>
+          <a:chExt cx="0" cy="0"/>
+        </a:xfrm>
+      </p:grpSpPr>
+      <p:sp>
+        <p:nvSpPr>
+          <p:cNvPr id="171" name="Google Shape;171;g59ca75788c_1_57:notes"/>
+          <p:cNvSpPr/>
+          <p:nvPr>
+            <p:ph idx="2" type="sldImg"/>
+          </p:nvPr>
+        </p:nvSpPr>
+        <p:spPr>
+          <a:xfrm>
+            <a:off x="381300" y="685800"/>
+            <a:ext cx="6096000" cy="3429000"/>
+          </a:xfrm>
+          <a:custGeom>
+            <a:rect b="b" l="l" r="r" t="t"/>
+            <a:pathLst>
+              <a:path extrusionOk="0" h="120000" w="120000">
+                <a:moveTo>
+                  <a:pt x="0" y="0"/>
+                </a:moveTo>
+                <a:lnTo>
+                  <a:pt x="120000" y="0"/>
+                </a:lnTo>
+                <a:lnTo>
+                  <a:pt x="120000" y="120000"/>
+                </a:lnTo>
+                <a:lnTo>
+                  <a:pt x="0" y="120000"/>
+                </a:lnTo>
+                <a:close/>
+              </a:path>
+            </a:pathLst>
+          </a:custGeom>
+        </p:spPr>
+      </p:sp>
+      <p:sp>
+        <p:nvSpPr>
+          <p:cNvPr id="172" name="Google Shape;172;g59ca75788c_1_57:notes"/>
           <p:cNvSpPr txBox="1"/>
           <p:nvPr>
             <p:ph idx="1" type="body"/>
@@ -1499,6 +1900,105 @@
 </p:notes>
 </file>
 
+<file path=ppt/notesSlides/notesSlide20.xml><?xml version="1.0" encoding="utf-8"?>
+<p:notes xmlns:a="http://schemas.openxmlformats.org/drawingml/2006/main" xmlns:r="http://schemas.openxmlformats.org/officeDocument/2006/relationships" xmlns:mc="http://schemas.openxmlformats.org/markup-compatibility/2006" xmlns:mv="urn:schemas-microsoft-com:mac:vml" xmlns:p="http://schemas.openxmlformats.org/presentationml/2006/main" xmlns:c="http://schemas.openxmlformats.org/drawingml/2006/chart" xmlns:dgm="http://schemas.openxmlformats.org/drawingml/2006/diagram" xmlns:o="urn:schemas-microsoft-com:office:office" xmlns:v="urn:schemas-microsoft-com:vml" xmlns:pvml="urn:schemas-microsoft-com:office:powerpoint" xmlns:com="http://schemas.openxmlformats.org/drawingml/2006/compatibility" xmlns:p14="http://schemas.microsoft.com/office/powerpoint/2010/main" xmlns:p15="http://schemas.microsoft.com/office/powerpoint/2012/main" showMasterPhAnim="0" showMasterSp="0">
+  <p:cSld>
+    <p:spTree>
+      <p:nvGrpSpPr>
+        <p:cNvPr id="176" name="Shape 176"/>
+        <p:cNvGrpSpPr/>
+        <p:nvPr/>
+      </p:nvGrpSpPr>
+      <p:grpSpPr>
+        <a:xfrm>
+          <a:off x="0" y="0"/>
+          <a:ext cx="0" cy="0"/>
+          <a:chOff x="0" y="0"/>
+          <a:chExt cx="0" cy="0"/>
+        </a:xfrm>
+      </p:grpSpPr>
+      <p:sp>
+        <p:nvSpPr>
+          <p:cNvPr id="177" name="Google Shape;177;g59ca75788c_1_62:notes"/>
+          <p:cNvSpPr/>
+          <p:nvPr>
+            <p:ph idx="2" type="sldImg"/>
+          </p:nvPr>
+        </p:nvSpPr>
+        <p:spPr>
+          <a:xfrm>
+            <a:off x="381300" y="685800"/>
+            <a:ext cx="6096000" cy="3429000"/>
+          </a:xfrm>
+          <a:custGeom>
+            <a:rect b="b" l="l" r="r" t="t"/>
+            <a:pathLst>
+              <a:path extrusionOk="0" h="120000" w="120000">
+                <a:moveTo>
+                  <a:pt x="0" y="0"/>
+                </a:moveTo>
+                <a:lnTo>
+                  <a:pt x="120000" y="0"/>
+                </a:lnTo>
+                <a:lnTo>
+                  <a:pt x="120000" y="120000"/>
+                </a:lnTo>
+                <a:lnTo>
+                  <a:pt x="0" y="120000"/>
+                </a:lnTo>
+                <a:close/>
+              </a:path>
+            </a:pathLst>
+          </a:custGeom>
+        </p:spPr>
+      </p:sp>
+      <p:sp>
+        <p:nvSpPr>
+          <p:cNvPr id="178" name="Google Shape;178;g59ca75788c_1_62:notes"/>
+          <p:cNvSpPr txBox="1"/>
+          <p:nvPr>
+            <p:ph idx="1" type="body"/>
+          </p:nvPr>
+        </p:nvSpPr>
+        <p:spPr>
+          <a:xfrm>
+            <a:off x="685800" y="4343400"/>
+            <a:ext cx="5486400" cy="4114800"/>
+          </a:xfrm>
+          <a:prstGeom prst="rect">
+            <a:avLst/>
+          </a:prstGeom>
+        </p:spPr>
+        <p:txBody>
+          <a:bodyPr anchorCtr="0" anchor="t" bIns="91425" lIns="91425" spcFirstLastPara="1" rIns="91425" wrap="square" tIns="91425">
+            <a:noAutofit/>
+          </a:bodyPr>
+          <a:lstStyle/>
+          <a:p>
+            <a:pPr indent="0" lvl="0" marL="0" rtl="0" algn="l">
+              <a:spcBef>
+                <a:spcPts val="0"/>
+              </a:spcBef>
+              <a:spcAft>
+                <a:spcPts val="0"/>
+              </a:spcAft>
+              <a:buNone/>
+            </a:pPr>
+            <a:r>
+              <a:t/>
+            </a:r>
+            <a:endParaRPr/>
+          </a:p>
+        </p:txBody>
+      </p:sp>
+    </p:spTree>
+  </p:cSld>
+  <p:clrMapOvr>
+    <a:masterClrMapping/>
+  </p:clrMapOvr>
+</p:notes>
+</file>
+
 <file path=ppt/notesSlides/notesSlide3.xml><?xml version="1.0" encoding="utf-8"?>
 <p:notes xmlns:a="http://schemas.openxmlformats.org/drawingml/2006/main" xmlns:r="http://schemas.openxmlformats.org/officeDocument/2006/relationships" xmlns:mc="http://schemas.openxmlformats.org/markup-compatibility/2006" xmlns:mv="urn:schemas-microsoft-com:mac:vml" xmlns:p="http://schemas.openxmlformats.org/presentationml/2006/main" xmlns:c="http://schemas.openxmlformats.org/drawingml/2006/chart" xmlns:dgm="http://schemas.openxmlformats.org/drawingml/2006/diagram" xmlns:o="urn:schemas-microsoft-com:office:office" xmlns:v="urn:schemas-microsoft-com:vml" xmlns:pvml="urn:schemas-microsoft-com:office:powerpoint" xmlns:com="http://schemas.openxmlformats.org/drawingml/2006/compatibility" xmlns:p14="http://schemas.microsoft.com/office/powerpoint/2010/main" xmlns:p15="http://schemas.microsoft.com/office/powerpoint/2012/main" showMasterPhAnim="0" showMasterSp="0">
   <p:cSld>
@@ -1603,7 +2103,7 @@
   <p:cSld>
     <p:spTree>
       <p:nvGrpSpPr>
-        <p:cNvPr id="74" name="Shape 74"/>
+        <p:cNvPr id="75" name="Shape 75"/>
         <p:cNvGrpSpPr/>
         <p:nvPr/>
       </p:nvGrpSpPr>
@@ -1617,7 +2117,7 @@
       </p:grpSpPr>
       <p:sp>
         <p:nvSpPr>
-          <p:cNvPr id="75" name="Google Shape;75;g59ca75788c_1_5:notes"/>
+          <p:cNvPr id="76" name="Google Shape;76;g59ca75788c_3_1:notes"/>
           <p:cNvSpPr/>
           <p:nvPr>
             <p:ph idx="2" type="sldImg"/>
@@ -1652,7 +2152,7 @@
       </p:sp>
       <p:sp>
         <p:nvSpPr>
-          <p:cNvPr id="76" name="Google Shape;76;g59ca75788c_1_5:notes"/>
+          <p:cNvPr id="77" name="Google Shape;77;g59ca75788c_3_1:notes"/>
           <p:cNvSpPr txBox="1"/>
           <p:nvPr>
             <p:ph idx="1" type="body"/>
@@ -1702,7 +2202,7 @@
   <p:cSld>
     <p:spTree>
       <p:nvGrpSpPr>
-        <p:cNvPr id="80" name="Shape 80"/>
+        <p:cNvPr id="82" name="Shape 82"/>
         <p:cNvGrpSpPr/>
         <p:nvPr/>
       </p:nvGrpSpPr>
@@ -1716,7 +2216,7 @@
       </p:grpSpPr>
       <p:sp>
         <p:nvSpPr>
-          <p:cNvPr id="81" name="Google Shape;81;g59ca75788c_1_10:notes"/>
+          <p:cNvPr id="83" name="Google Shape;83;g59ca75788c_3_7:notes"/>
           <p:cNvSpPr/>
           <p:nvPr>
             <p:ph idx="2" type="sldImg"/>
@@ -1751,7 +2251,7 @@
       </p:sp>
       <p:sp>
         <p:nvSpPr>
-          <p:cNvPr id="82" name="Google Shape;82;g59ca75788c_1_10:notes"/>
+          <p:cNvPr id="84" name="Google Shape;84;g59ca75788c_3_7:notes"/>
           <p:cNvSpPr txBox="1"/>
           <p:nvPr>
             <p:ph idx="1" type="body"/>
@@ -1801,7 +2301,7 @@
   <p:cSld>
     <p:spTree>
       <p:nvGrpSpPr>
-        <p:cNvPr id="86" name="Shape 86"/>
+        <p:cNvPr id="88" name="Shape 88"/>
         <p:cNvGrpSpPr/>
         <p:nvPr/>
       </p:nvGrpSpPr>
@@ -1815,7 +2315,7 @@
       </p:grpSpPr>
       <p:sp>
         <p:nvSpPr>
-          <p:cNvPr id="87" name="Google Shape;87;g59ca75788c_1_22:notes"/>
+          <p:cNvPr id="89" name="Google Shape;89;g59ca75788c_1_5:notes"/>
           <p:cNvSpPr/>
           <p:nvPr>
             <p:ph idx="2" type="sldImg"/>
@@ -1850,7 +2350,7 @@
       </p:sp>
       <p:sp>
         <p:nvSpPr>
-          <p:cNvPr id="88" name="Google Shape;88;g59ca75788c_1_22:notes"/>
+          <p:cNvPr id="90" name="Google Shape;90;g59ca75788c_1_5:notes"/>
           <p:cNvSpPr txBox="1"/>
           <p:nvPr>
             <p:ph idx="1" type="body"/>
@@ -1900,7 +2400,7 @@
   <p:cSld>
     <p:spTree>
       <p:nvGrpSpPr>
-        <p:cNvPr id="92" name="Shape 92"/>
+        <p:cNvPr id="96" name="Shape 96"/>
         <p:cNvGrpSpPr/>
         <p:nvPr/>
       </p:nvGrpSpPr>
@@ -1914,7 +2414,7 @@
       </p:grpSpPr>
       <p:sp>
         <p:nvSpPr>
-          <p:cNvPr id="93" name="Google Shape;93;g59ca75788c_1_15:notes"/>
+          <p:cNvPr id="97" name="Google Shape;97;g59ca75788c_1_10:notes"/>
           <p:cNvSpPr/>
           <p:nvPr>
             <p:ph idx="2" type="sldImg"/>
@@ -1949,7 +2449,7 @@
       </p:sp>
       <p:sp>
         <p:nvSpPr>
-          <p:cNvPr id="94" name="Google Shape;94;g59ca75788c_1_15:notes"/>
+          <p:cNvPr id="98" name="Google Shape;98;g59ca75788c_1_10:notes"/>
           <p:cNvSpPr txBox="1"/>
           <p:nvPr>
             <p:ph idx="1" type="body"/>
@@ -1999,7 +2499,7 @@
   <p:cSld>
     <p:spTree>
       <p:nvGrpSpPr>
-        <p:cNvPr id="98" name="Shape 98"/>
+        <p:cNvPr id="102" name="Shape 102"/>
         <p:cNvGrpSpPr/>
         <p:nvPr/>
       </p:nvGrpSpPr>
@@ -2013,7 +2513,7 @@
       </p:grpSpPr>
       <p:sp>
         <p:nvSpPr>
-          <p:cNvPr id="99" name="Google Shape;99;g59ca75788c_1_27:notes"/>
+          <p:cNvPr id="103" name="Google Shape;103;g59ca75788c_1_22:notes"/>
           <p:cNvSpPr/>
           <p:nvPr>
             <p:ph idx="2" type="sldImg"/>
@@ -2048,7 +2548,7 @@
       </p:sp>
       <p:sp>
         <p:nvSpPr>
-          <p:cNvPr id="100" name="Google Shape;100;g59ca75788c_1_27:notes"/>
+          <p:cNvPr id="104" name="Google Shape;104;g59ca75788c_1_22:notes"/>
           <p:cNvSpPr txBox="1"/>
           <p:nvPr>
             <p:ph idx="1" type="body"/>
@@ -2098,7 +2598,7 @@
   <p:cSld>
     <p:spTree>
       <p:nvGrpSpPr>
-        <p:cNvPr id="104" name="Shape 104"/>
+        <p:cNvPr id="108" name="Shape 108"/>
         <p:cNvGrpSpPr/>
         <p:nvPr/>
       </p:nvGrpSpPr>
@@ -2112,7 +2612,7 @@
       </p:grpSpPr>
       <p:sp>
         <p:nvSpPr>
-          <p:cNvPr id="105" name="Google Shape;105;g59ca75788c_1_32:notes"/>
+          <p:cNvPr id="109" name="Google Shape;109;g59ca75788c_3_16:notes"/>
           <p:cNvSpPr/>
           <p:nvPr>
             <p:ph idx="2" type="sldImg"/>
@@ -2147,7 +2647,7 @@
       </p:sp>
       <p:sp>
         <p:nvSpPr>
-          <p:cNvPr id="106" name="Google Shape;106;g59ca75788c_1_32:notes"/>
+          <p:cNvPr id="110" name="Google Shape;110;g59ca75788c_3_16:notes"/>
           <p:cNvSpPr txBox="1"/>
           <p:nvPr>
             <p:ph idx="1" type="body"/>
@@ -7613,145 +8113,6 @@
   <p:cSld>
     <p:spTree>
       <p:nvGrpSpPr>
-        <p:cNvPr id="113" name="Shape 113"/>
-        <p:cNvGrpSpPr/>
-        <p:nvPr/>
-      </p:nvGrpSpPr>
-      <p:grpSpPr>
-        <a:xfrm>
-          <a:off x="0" y="0"/>
-          <a:ext cx="0" cy="0"/>
-          <a:chOff x="0" y="0"/>
-          <a:chExt cx="0" cy="0"/>
-        </a:xfrm>
-      </p:grpSpPr>
-      <p:sp>
-        <p:nvSpPr>
-          <p:cNvPr id="114" name="Google Shape;114;p22"/>
-          <p:cNvSpPr txBox="1"/>
-          <p:nvPr>
-            <p:ph type="title"/>
-          </p:nvPr>
-        </p:nvSpPr>
-        <p:spPr>
-          <a:xfrm>
-            <a:off x="311700" y="445025"/>
-            <a:ext cx="8520600" cy="572700"/>
-          </a:xfrm>
-          <a:prstGeom prst="rect">
-            <a:avLst/>
-          </a:prstGeom>
-        </p:spPr>
-        <p:txBody>
-          <a:bodyPr anchorCtr="0" anchor="t" bIns="91425" lIns="91425" spcFirstLastPara="1" rIns="91425" wrap="square" tIns="91425">
-            <a:noAutofit/>
-          </a:bodyPr>
-          <a:lstStyle/>
-          <a:p>
-            <a:pPr indent="0" lvl="0" marL="0" rtl="0" algn="l">
-              <a:spcBef>
-                <a:spcPts val="0"/>
-              </a:spcBef>
-              <a:spcAft>
-                <a:spcPts val="0"/>
-              </a:spcAft>
-              <a:buNone/>
-            </a:pPr>
-            <a:r>
-              <a:rPr lang="en"/>
-              <a:t>How many epochs is enough?</a:t>
-            </a:r>
-            <a:endParaRPr/>
-          </a:p>
-        </p:txBody>
-      </p:sp>
-      <p:sp>
-        <p:nvSpPr>
-          <p:cNvPr id="115" name="Google Shape;115;p22"/>
-          <p:cNvSpPr txBox="1"/>
-          <p:nvPr>
-            <p:ph idx="1" type="body"/>
-          </p:nvPr>
-        </p:nvSpPr>
-        <p:spPr>
-          <a:xfrm>
-            <a:off x="311700" y="1152475"/>
-            <a:ext cx="8520600" cy="3416400"/>
-          </a:xfrm>
-          <a:prstGeom prst="rect">
-            <a:avLst/>
-          </a:prstGeom>
-        </p:spPr>
-        <p:txBody>
-          <a:bodyPr anchorCtr="0" anchor="t" bIns="91425" lIns="91425" spcFirstLastPara="1" rIns="91425" wrap="square" tIns="91425">
-            <a:noAutofit/>
-          </a:bodyPr>
-          <a:lstStyle/>
-          <a:p>
-            <a:pPr indent="-342900" lvl="0" marL="457200" rtl="0" algn="l">
-              <a:spcBef>
-                <a:spcPts val="0"/>
-              </a:spcBef>
-              <a:spcAft>
-                <a:spcPts val="0"/>
-              </a:spcAft>
-              <a:buSzPts val="1800"/>
-              <a:buChar char="●"/>
-            </a:pPr>
-            <a:r>
-              <a:rPr lang="en"/>
-              <a:t>Took the best architecture, trained and tested for different number of epochs</a:t>
-            </a:r>
-            <a:endParaRPr/>
-          </a:p>
-          <a:p>
-            <a:pPr indent="0" lvl="0" marL="0" rtl="0" algn="l">
-              <a:spcBef>
-                <a:spcPts val="1600"/>
-              </a:spcBef>
-              <a:spcAft>
-                <a:spcPts val="0"/>
-              </a:spcAft>
-              <a:buNone/>
-            </a:pPr>
-            <a:r>
-              <a:rPr lang="en"/>
-              <a:t>TODO: Chart of epochs vs accuracy</a:t>
-            </a:r>
-            <a:endParaRPr/>
-          </a:p>
-          <a:p>
-            <a:pPr indent="-342900" lvl="0" marL="457200" rtl="0" algn="l">
-              <a:spcBef>
-                <a:spcPts val="1600"/>
-              </a:spcBef>
-              <a:spcAft>
-                <a:spcPts val="0"/>
-              </a:spcAft>
-              <a:buSzPts val="1800"/>
-              <a:buChar char="●"/>
-            </a:pPr>
-            <a:r>
-              <a:rPr lang="en"/>
-              <a:t>Looks like I was training too much...</a:t>
-            </a:r>
-            <a:endParaRPr/>
-          </a:p>
-        </p:txBody>
-      </p:sp>
-    </p:spTree>
-  </p:cSld>
-  <p:clrMapOvr>
-    <a:masterClrMapping/>
-  </p:clrMapOvr>
-</p:sld>
-</file>
-
-<file path=ppt/slides/slide11.xml><?xml version="1.0" encoding="utf-8"?>
-<p:sld xmlns:a="http://schemas.openxmlformats.org/drawingml/2006/main" xmlns:r="http://schemas.openxmlformats.org/officeDocument/2006/relationships" xmlns:mc="http://schemas.openxmlformats.org/markup-compatibility/2006" xmlns:mv="urn:schemas-microsoft-com:mac:vml" xmlns:p="http://schemas.openxmlformats.org/presentationml/2006/main" xmlns:c="http://schemas.openxmlformats.org/drawingml/2006/chart" xmlns:dgm="http://schemas.openxmlformats.org/drawingml/2006/diagram" xmlns:o="urn:schemas-microsoft-com:office:office" xmlns:v="urn:schemas-microsoft-com:vml" xmlns:pvml="urn:schemas-microsoft-com:office:powerpoint" xmlns:com="http://schemas.openxmlformats.org/drawingml/2006/compatibility" xmlns:p14="http://schemas.microsoft.com/office/powerpoint/2010/main" xmlns:p15="http://schemas.microsoft.com/office/powerpoint/2012/main">
-  <p:cSld>
-    <p:spTree>
-      <p:nvGrpSpPr>
         <p:cNvPr id="119" name="Shape 119"/>
         <p:cNvGrpSpPr/>
         <p:nvPr/>
@@ -7766,7 +8127,7 @@
       </p:grpSpPr>
       <p:sp>
         <p:nvSpPr>
-          <p:cNvPr id="120" name="Google Shape;120;p23"/>
+          <p:cNvPr id="120" name="Google Shape;120;p22"/>
           <p:cNvSpPr txBox="1"/>
           <p:nvPr>
             <p:ph type="title"/>
@@ -7798,7 +8159,37 @@
             </a:pPr>
             <a:r>
               <a:rPr lang="en"/>
-              <a:t>Why isn’t the accuracy better?</a:t>
+              <a:t>Noisy data and SNR</a:t>
+            </a:r>
+            <a:endParaRPr/>
+          </a:p>
+          <a:p>
+            <a:pPr indent="0" lvl="0" marL="0" rtl="0" algn="l">
+              <a:spcBef>
+                <a:spcPts val="0"/>
+              </a:spcBef>
+              <a:spcAft>
+                <a:spcPts val="0"/>
+              </a:spcAft>
+              <a:buNone/>
+            </a:pPr>
+            <a:r>
+              <a:t/>
+            </a:r>
+            <a:endParaRPr/>
+          </a:p>
+          <a:p>
+            <a:pPr indent="0" lvl="0" marL="0" rtl="0" algn="l">
+              <a:spcBef>
+                <a:spcPts val="0"/>
+              </a:spcBef>
+              <a:spcAft>
+                <a:spcPts val="0"/>
+              </a:spcAft>
+              <a:buNone/>
+            </a:pPr>
+            <a:r>
+              <a:t/>
             </a:r>
             <a:endParaRPr/>
           </a:p>
@@ -7806,7 +8197,7 @@
       </p:sp>
       <p:sp>
         <p:nvSpPr>
-          <p:cNvPr id="121" name="Google Shape;121;p23"/>
+          <p:cNvPr id="121" name="Google Shape;121;p22"/>
           <p:cNvSpPr txBox="1"/>
           <p:nvPr>
             <p:ph idx="1" type="body"/>
@@ -7839,65 +8230,49 @@
             </a:pPr>
             <a:r>
               <a:rPr lang="en"/>
-              <a:t>Two causes:</a:t>
-            </a:r>
-            <a:endParaRPr/>
-          </a:p>
-          <a:p>
-            <a:pPr indent="-317500" lvl="1" marL="914400" rtl="0" algn="l">
-              <a:spcBef>
-                <a:spcPts val="0"/>
-              </a:spcBef>
-              <a:spcAft>
-                <a:spcPts val="0"/>
-              </a:spcAft>
-              <a:buSzPts val="1400"/>
-              <a:buChar char="○"/>
-            </a:pPr>
-            <a:r>
-              <a:rPr lang="en" sz="1400"/>
-              <a:t>Some signal types are hard</a:t>
-            </a:r>
-            <a:endParaRPr/>
-          </a:p>
-          <a:p>
-            <a:pPr indent="-317500" lvl="1" marL="914400" rtl="0" algn="l">
-              <a:spcBef>
-                <a:spcPts val="0"/>
-              </a:spcBef>
-              <a:spcAft>
-                <a:spcPts val="0"/>
-              </a:spcAft>
-              <a:buSzPts val="1400"/>
-              <a:buChar char="○"/>
+              <a:t>There’s some math behind SNR, it can be negative</a:t>
+            </a:r>
+            <a:endParaRPr/>
+          </a:p>
+          <a:p>
+            <a:pPr indent="-342900" lvl="0" marL="457200" rtl="0" algn="l">
+              <a:spcBef>
+                <a:spcPts val="0"/>
+              </a:spcBef>
+              <a:spcAft>
+                <a:spcPts val="0"/>
+              </a:spcAft>
+              <a:buSzPts val="1800"/>
+              <a:buChar char="●"/>
             </a:pPr>
             <a:r>
               <a:rPr lang="en"/>
-              <a:t>Low SNR is hard</a:t>
-            </a:r>
-            <a:endParaRPr/>
-          </a:p>
-          <a:p>
-            <a:pPr indent="-317500" lvl="0" marL="457200" marR="0" rtl="0" algn="l">
-              <a:lnSpc>
-                <a:spcPct val="115000"/>
-              </a:lnSpc>
-              <a:spcBef>
-                <a:spcPts val="0"/>
-              </a:spcBef>
-              <a:spcAft>
-                <a:spcPts val="0"/>
-              </a:spcAft>
-              <a:buClr>
-                <a:schemeClr val="accent3"/>
-              </a:buClr>
-              <a:buSzPts val="1400"/>
-              <a:buFont typeface="Proxima Nova"/>
+              <a:t>But that’s not important, just remember, higher snr -&gt; clearer signal</a:t>
+            </a:r>
+            <a:endParaRPr/>
+          </a:p>
+          <a:p>
+            <a:pPr indent="-342900" lvl="0" marL="457200" rtl="0" algn="l">
+              <a:spcBef>
+                <a:spcPts val="0"/>
+              </a:spcBef>
+              <a:spcAft>
+                <a:spcPts val="0"/>
+              </a:spcAft>
+              <a:buSzPts val="1800"/>
               <a:buChar char="●"/>
             </a:pPr>
             <a:r>
               <a:rPr lang="en"/>
-              <a:t>Let’s fix these separately…	</a:t>
+              <a:t>Even with noise, Convolution </a:t>
+            </a:r>
+            <a:r>
+              <a:rPr i="1" lang="en"/>
+              <a:t>should</a:t>
+            </a:r>
+            <a:r>
+              <a:rPr lang="en"/>
+              <a:t> work, right?</a:t>
             </a:r>
             <a:endParaRPr/>
           </a:p>
@@ -7911,7 +8286,7 @@
 </p:sld>
 </file>
 
-<file path=ppt/slides/slide12.xml><?xml version="1.0" encoding="utf-8"?>
+<file path=ppt/slides/slide11.xml><?xml version="1.0" encoding="utf-8"?>
 <p:sld xmlns:a="http://schemas.openxmlformats.org/drawingml/2006/main" xmlns:r="http://schemas.openxmlformats.org/officeDocument/2006/relationships" xmlns:mc="http://schemas.openxmlformats.org/markup-compatibility/2006" xmlns:mv="urn:schemas-microsoft-com:mac:vml" xmlns:p="http://schemas.openxmlformats.org/presentationml/2006/main" xmlns:c="http://schemas.openxmlformats.org/drawingml/2006/chart" xmlns:dgm="http://schemas.openxmlformats.org/drawingml/2006/diagram" xmlns:o="urn:schemas-microsoft-com:office:office" xmlns:v="urn:schemas-microsoft-com:vml" xmlns:pvml="urn:schemas-microsoft-com:office:powerpoint" xmlns:com="http://schemas.openxmlformats.org/drawingml/2006/compatibility" xmlns:p14="http://schemas.microsoft.com/office/powerpoint/2010/main" xmlns:p15="http://schemas.microsoft.com/office/powerpoint/2012/main">
   <p:cSld>
     <p:spTree>
@@ -7930,7 +8305,7 @@
       </p:grpSpPr>
       <p:sp>
         <p:nvSpPr>
-          <p:cNvPr id="126" name="Google Shape;126;p24"/>
+          <p:cNvPr id="126" name="Google Shape;126;p23"/>
           <p:cNvSpPr txBox="1"/>
           <p:nvPr>
             <p:ph type="title"/>
@@ -7962,7 +8337,7 @@
             </a:pPr>
             <a:r>
               <a:rPr lang="en"/>
-              <a:t>What are the hard cases?</a:t>
+              <a:t>Scope of the project	</a:t>
             </a:r>
             <a:endParaRPr/>
           </a:p>
@@ -7970,7 +8345,7 @@
       </p:sp>
       <p:sp>
         <p:nvSpPr>
-          <p:cNvPr id="127" name="Google Shape;127;p24"/>
+          <p:cNvPr id="127" name="Google Shape;127;p23"/>
           <p:cNvSpPr txBox="1"/>
           <p:nvPr>
             <p:ph idx="1" type="body"/>
@@ -7991,25 +8366,9 @@
           </a:bodyPr>
           <a:lstStyle/>
           <a:p>
-            <a:pPr indent="0" lvl="0" marL="0" rtl="0" algn="l">
-              <a:spcBef>
-                <a:spcPts val="0"/>
-              </a:spcBef>
-              <a:spcAft>
-                <a:spcPts val="0"/>
-              </a:spcAft>
-              <a:buNone/>
-            </a:pPr>
-            <a:r>
-              <a:rPr lang="en"/>
-              <a:t>TODO: Confusion matrix</a:t>
-            </a:r>
-            <a:endParaRPr/>
-          </a:p>
-          <a:p>
             <a:pPr indent="-342900" lvl="0" marL="457200" rtl="0" algn="l">
               <a:spcBef>
-                <a:spcPts val="1600"/>
+                <a:spcPts val="0"/>
               </a:spcBef>
               <a:spcAft>
                 <a:spcPts val="0"/>
@@ -8019,7 +8378,7 @@
             </a:pPr>
             <a:r>
               <a:rPr lang="en"/>
-              <a:t>Can see the network is AWFUL at classifying &lt;TODO: Which cases are hard&gt;</a:t>
+              <a:t>Classify radio signals</a:t>
             </a:r>
             <a:endParaRPr/>
           </a:p>
@@ -8036,7 +8395,7 @@
             </a:pPr>
             <a:r>
               <a:rPr lang="en"/>
-              <a:t>Let’s train a network that specializes in just these two types.</a:t>
+              <a:t>But also, general techniques for convolution</a:t>
             </a:r>
             <a:endParaRPr/>
           </a:p>
@@ -8050,7 +8409,7 @@
 </p:sld>
 </file>
 
-<file path=ppt/slides/slide13.xml><?xml version="1.0" encoding="utf-8"?>
+<file path=ppt/slides/slide12.xml><?xml version="1.0" encoding="utf-8"?>
 <p:sld xmlns:a="http://schemas.openxmlformats.org/drawingml/2006/main" xmlns:r="http://schemas.openxmlformats.org/officeDocument/2006/relationships" xmlns:mc="http://schemas.openxmlformats.org/markup-compatibility/2006" xmlns:mv="urn:schemas-microsoft-com:mac:vml" xmlns:p="http://schemas.openxmlformats.org/presentationml/2006/main" xmlns:c="http://schemas.openxmlformats.org/drawingml/2006/chart" xmlns:dgm="http://schemas.openxmlformats.org/drawingml/2006/diagram" xmlns:o="urn:schemas-microsoft-com:office:office" xmlns:v="urn:schemas-microsoft-com:vml" xmlns:pvml="urn:schemas-microsoft-com:office:powerpoint" xmlns:com="http://schemas.openxmlformats.org/drawingml/2006/compatibility" xmlns:p14="http://schemas.microsoft.com/office/powerpoint/2010/main" xmlns:p15="http://schemas.microsoft.com/office/powerpoint/2012/main">
   <p:cSld>
     <p:spTree>
@@ -8069,7 +8428,7 @@
       </p:grpSpPr>
       <p:sp>
         <p:nvSpPr>
-          <p:cNvPr id="132" name="Google Shape;132;p25"/>
+          <p:cNvPr id="132" name="Google Shape;132;p24"/>
           <p:cNvSpPr txBox="1"/>
           <p:nvPr>
             <p:ph type="title"/>
@@ -8101,7 +8460,7 @@
             </a:pPr>
             <a:r>
               <a:rPr lang="en"/>
-              <a:t>Specialized networks (Ensemble-ish?)</a:t>
+              <a:t>The Dataset</a:t>
             </a:r>
             <a:endParaRPr/>
           </a:p>
@@ -8109,7 +8468,7 @@
       </p:sp>
       <p:sp>
         <p:nvSpPr>
-          <p:cNvPr id="133" name="Google Shape;133;p25"/>
+          <p:cNvPr id="133" name="Google Shape;133;p24"/>
           <p:cNvSpPr txBox="1"/>
           <p:nvPr>
             <p:ph idx="1" type="body"/>
@@ -8142,7 +8501,20 @@
             </a:pPr>
             <a:r>
               <a:rPr lang="en"/>
-              <a:t>Train a network just for the hard cases</a:t>
+              <a:t>Freely available online at </a:t>
+            </a:r>
+            <a:r>
+              <a:rPr lang="en" sz="1100" u="sng">
+                <a:solidFill>
+                  <a:schemeClr val="hlink"/>
+                </a:solidFill>
+                <a:latin typeface="Arial"/>
+                <a:ea typeface="Arial"/>
+                <a:cs typeface="Arial"/>
+                <a:sym typeface="Arial"/>
+                <a:hlinkClick r:id="rId3"/>
+              </a:rPr>
+              <a:t>https://www.deepsig.io/</a:t>
             </a:r>
             <a:endParaRPr/>
           </a:p>
@@ -8159,7 +8531,7 @@
             </a:pPr>
             <a:r>
               <a:rPr lang="en"/>
-              <a:t>If the general network predicts one of the hard cases, fall back to the special network</a:t>
+              <a:t>2 Million examples</a:t>
             </a:r>
             <a:endParaRPr/>
           </a:p>
@@ -8176,30 +8548,14 @@
             </a:pPr>
             <a:r>
               <a:rPr lang="en"/>
-              <a:t>Results:</a:t>
-            </a:r>
-            <a:endParaRPr/>
-          </a:p>
-          <a:p>
-            <a:pPr indent="0" lvl="0" marL="0" rtl="0" algn="l">
-              <a:spcBef>
-                <a:spcPts val="1600"/>
-              </a:spcBef>
-              <a:spcAft>
-                <a:spcPts val="0"/>
-              </a:spcAft>
-              <a:buNone/>
-            </a:pPr>
-            <a:r>
-              <a:rPr lang="en"/>
-              <a:t>TODO: Chart of confusion and accuracy</a:t>
+              <a:t>Each example 1024 samples -&gt; 2048 floats</a:t>
             </a:r>
             <a:endParaRPr/>
           </a:p>
           <a:p>
             <a:pPr indent="-342900" lvl="0" marL="457200" rtl="0" algn="l">
               <a:spcBef>
-                <a:spcPts val="1600"/>
+                <a:spcPts val="0"/>
               </a:spcBef>
               <a:spcAft>
                 <a:spcPts val="0"/>
@@ -8209,7 +8565,92 @@
             </a:pPr>
             <a:r>
               <a:rPr lang="en"/>
-              <a:t>It works! Accuracy gain of &lt;TODO: accuracy gain percent&gt;</a:t>
+              <a:t>24 signal types</a:t>
+            </a:r>
+            <a:endParaRPr/>
+          </a:p>
+          <a:p>
+            <a:pPr indent="-342900" lvl="0" marL="457200" rtl="0" algn="l">
+              <a:spcBef>
+                <a:spcPts val="0"/>
+              </a:spcBef>
+              <a:spcAft>
+                <a:spcPts val="0"/>
+              </a:spcAft>
+              <a:buSzPts val="1800"/>
+              <a:buChar char="●"/>
+            </a:pPr>
+            <a:r>
+              <a:rPr lang="en"/>
+              <a:t>26 SNRs ranging from very weak to very strong</a:t>
+            </a:r>
+            <a:endParaRPr/>
+          </a:p>
+          <a:p>
+            <a:pPr indent="-342900" lvl="0" marL="457200" rtl="0" algn="l">
+              <a:spcBef>
+                <a:spcPts val="0"/>
+              </a:spcBef>
+              <a:spcAft>
+                <a:spcPts val="0"/>
+              </a:spcAft>
+              <a:buSzPts val="1800"/>
+              <a:buChar char="●"/>
+            </a:pPr>
+            <a:r>
+              <a:rPr lang="en"/>
+              <a:t>Too much data! Can’t train reasonably</a:t>
+            </a:r>
+            <a:endParaRPr/>
+          </a:p>
+          <a:p>
+            <a:pPr indent="-317500" lvl="1" marL="914400" rtl="0" algn="l">
+              <a:spcBef>
+                <a:spcPts val="0"/>
+              </a:spcBef>
+              <a:spcAft>
+                <a:spcPts val="0"/>
+              </a:spcAft>
+              <a:buSzPts val="1400"/>
+              <a:buChar char="○"/>
+            </a:pPr>
+            <a:r>
+              <a:rPr lang="en"/>
+              <a:t>Select only a reasonable range of SNR</a:t>
+            </a:r>
+            <a:endParaRPr/>
+          </a:p>
+          <a:p>
+            <a:pPr indent="-317500" lvl="1" marL="914400" rtl="0" algn="l">
+              <a:spcBef>
+                <a:spcPts val="0"/>
+              </a:spcBef>
+              <a:spcAft>
+                <a:spcPts val="0"/>
+              </a:spcAft>
+              <a:buSzPts val="1400"/>
+              <a:buChar char="○"/>
+            </a:pPr>
+            <a:r>
+              <a:rPr lang="en"/>
+              <a:t>My subset of the data is all 24 signal types, and 6 SNRs</a:t>
+            </a:r>
+            <a:endParaRPr/>
+          </a:p>
+          <a:p>
+            <a:pPr indent="-317500" lvl="1" marL="914400" rtl="0" algn="l">
+              <a:spcBef>
+                <a:spcPts val="0"/>
+              </a:spcBef>
+              <a:spcAft>
+                <a:spcPts val="0"/>
+              </a:spcAft>
+              <a:buSzPts val="1400"/>
+              <a:buChar char="○"/>
+            </a:pPr>
+            <a:r>
+              <a:rPr lang="en"/>
+              <a:t>-&gt; 59000 examples</a:t>
             </a:r>
             <a:endParaRPr/>
           </a:p>
@@ -8223,7 +8664,7 @@
 </p:sld>
 </file>
 
-<file path=ppt/slides/slide14.xml><?xml version="1.0" encoding="utf-8"?>
+<file path=ppt/slides/slide13.xml><?xml version="1.0" encoding="utf-8"?>
 <p:sld xmlns:a="http://schemas.openxmlformats.org/drawingml/2006/main" xmlns:r="http://schemas.openxmlformats.org/officeDocument/2006/relationships" xmlns:mc="http://schemas.openxmlformats.org/markup-compatibility/2006" xmlns:mv="urn:schemas-microsoft-com:mac:vml" xmlns:p="http://schemas.openxmlformats.org/presentationml/2006/main" xmlns:c="http://schemas.openxmlformats.org/drawingml/2006/chart" xmlns:dgm="http://schemas.openxmlformats.org/drawingml/2006/diagram" xmlns:o="urn:schemas-microsoft-com:office:office" xmlns:v="urn:schemas-microsoft-com:vml" xmlns:pvml="urn:schemas-microsoft-com:office:powerpoint" xmlns:com="http://schemas.openxmlformats.org/drawingml/2006/compatibility" xmlns:p14="http://schemas.microsoft.com/office/powerpoint/2010/main" xmlns:p15="http://schemas.microsoft.com/office/powerpoint/2012/main">
   <p:cSld>
     <p:spTree>
@@ -8242,7 +8683,7 @@
       </p:grpSpPr>
       <p:sp>
         <p:nvSpPr>
-          <p:cNvPr id="138" name="Google Shape;138;p26"/>
+          <p:cNvPr id="138" name="Google Shape;138;p25"/>
           <p:cNvSpPr txBox="1"/>
           <p:nvPr>
             <p:ph type="title"/>
@@ -8274,7 +8715,22 @@
             </a:pPr>
             <a:r>
               <a:rPr lang="en"/>
-              <a:t>SNR has huge impacts on accuracy</a:t>
+              <a:t>Technical challenges of training CNN</a:t>
+            </a:r>
+            <a:endParaRPr/>
+          </a:p>
+          <a:p>
+            <a:pPr indent="0" lvl="0" marL="0" rtl="0" algn="l">
+              <a:spcBef>
+                <a:spcPts val="0"/>
+              </a:spcBef>
+              <a:spcAft>
+                <a:spcPts val="0"/>
+              </a:spcAft>
+              <a:buNone/>
+            </a:pPr>
+            <a:r>
+              <a:t/>
             </a:r>
             <a:endParaRPr/>
           </a:p>
@@ -8282,7 +8738,7 @@
       </p:sp>
       <p:sp>
         <p:nvSpPr>
-          <p:cNvPr id="139" name="Google Shape;139;p26"/>
+          <p:cNvPr id="139" name="Google Shape;139;p25"/>
           <p:cNvSpPr txBox="1"/>
           <p:nvPr>
             <p:ph idx="1" type="body"/>
@@ -8303,25 +8759,9 @@
           </a:bodyPr>
           <a:lstStyle/>
           <a:p>
-            <a:pPr indent="0" lvl="0" marL="0" rtl="0" algn="l">
-              <a:spcBef>
-                <a:spcPts val="0"/>
-              </a:spcBef>
-              <a:spcAft>
-                <a:spcPts val="0"/>
-              </a:spcAft>
-              <a:buNone/>
-            </a:pPr>
-            <a:r>
-              <a:rPr lang="en"/>
-              <a:t>TODO: Chart of accuracies</a:t>
-            </a:r>
-            <a:endParaRPr/>
-          </a:p>
-          <a:p>
             <a:pPr indent="-342900" lvl="0" marL="457200" rtl="0" algn="l">
               <a:spcBef>
-                <a:spcPts val="1600"/>
+                <a:spcPts val="0"/>
               </a:spcBef>
               <a:spcAft>
                 <a:spcPts val="0"/>
@@ -8331,23 +8771,127 @@
             </a:pPr>
             <a:r>
               <a:rPr lang="en"/>
-              <a:t>What happens when we train for the SNR we expect?</a:t>
-            </a:r>
-            <a:endParaRPr/>
-          </a:p>
-          <a:p>
-            <a:pPr indent="0" lvl="0" marL="0" rtl="0" algn="l">
-              <a:spcBef>
-                <a:spcPts val="1600"/>
-              </a:spcBef>
-              <a:spcAft>
-                <a:spcPts val="1600"/>
-              </a:spcAft>
-              <a:buNone/>
+              <a:t>Using Tensorflow, with hardware acceleration on an Nvidia GTX1080</a:t>
+            </a:r>
+            <a:endParaRPr/>
+          </a:p>
+          <a:p>
+            <a:pPr indent="-317500" lvl="0" marL="457200" marR="0" rtl="0" algn="l">
+              <a:lnSpc>
+                <a:spcPct val="115000"/>
+              </a:lnSpc>
+              <a:spcBef>
+                <a:spcPts val="0"/>
+              </a:spcBef>
+              <a:spcAft>
+                <a:spcPts val="0"/>
+              </a:spcAft>
+              <a:buClr>
+                <a:schemeClr val="accent3"/>
+              </a:buClr>
+              <a:buSzPts val="1400"/>
+              <a:buFont typeface="Proxima Nova"/>
+              <a:buChar char="●"/>
             </a:pPr>
             <a:r>
               <a:rPr lang="en"/>
-              <a:t>TODO: Chart of SNR base training</a:t>
+              <a:t>Spent </a:t>
+            </a:r>
+            <a:r>
+              <a:rPr b="1" lang="en"/>
+              <a:t>a lot</a:t>
+            </a:r>
+            <a:r>
+              <a:rPr lang="en"/>
+              <a:t> of time optimizing the training pipeline	</a:t>
+            </a:r>
+            <a:endParaRPr/>
+          </a:p>
+          <a:p>
+            <a:pPr indent="-317500" lvl="1" marL="914400" marR="0" rtl="0" algn="l">
+              <a:lnSpc>
+                <a:spcPct val="115000"/>
+              </a:lnSpc>
+              <a:spcBef>
+                <a:spcPts val="0"/>
+              </a:spcBef>
+              <a:spcAft>
+                <a:spcPts val="0"/>
+              </a:spcAft>
+              <a:buSzPts val="1400"/>
+              <a:buChar char="○"/>
+            </a:pPr>
+            <a:r>
+              <a:rPr lang="en"/>
+              <a:t>Dataset can’t fit in memory</a:t>
+            </a:r>
+            <a:endParaRPr/>
+          </a:p>
+          <a:p>
+            <a:pPr indent="-317500" lvl="1" marL="914400" rtl="0" algn="l">
+              <a:spcBef>
+                <a:spcPts val="0"/>
+              </a:spcBef>
+              <a:spcAft>
+                <a:spcPts val="0"/>
+              </a:spcAft>
+              <a:buSzPts val="1400"/>
+              <a:buChar char="○"/>
+            </a:pPr>
+            <a:r>
+              <a:rPr lang="en"/>
+              <a:t>Parallelize training and pre-fetching data samples from disk</a:t>
+            </a:r>
+            <a:endParaRPr/>
+          </a:p>
+          <a:p>
+            <a:pPr indent="-317500" lvl="1" marL="914400" rtl="0" algn="l">
+              <a:spcBef>
+                <a:spcPts val="0"/>
+              </a:spcBef>
+              <a:spcAft>
+                <a:spcPts val="0"/>
+              </a:spcAft>
+              <a:buSzPts val="1400"/>
+              <a:buChar char="○"/>
+            </a:pPr>
+            <a:r>
+              <a:rPr lang="en"/>
+              <a:t>~97% utilization of GPU, not bad</a:t>
+            </a:r>
+            <a:endParaRPr/>
+          </a:p>
+          <a:p>
+            <a:pPr indent="-317500" lvl="1" marL="914400" rtl="0" algn="l">
+              <a:spcBef>
+                <a:spcPts val="0"/>
+              </a:spcBef>
+              <a:spcAft>
+                <a:spcPts val="0"/>
+              </a:spcAft>
+              <a:buSzPts val="1400"/>
+              <a:buChar char="○"/>
+            </a:pPr>
+            <a:r>
+              <a:rPr lang="en"/>
+              <a:t>TODO: How much faster is hardware acceleration’</a:t>
+            </a:r>
+            <a:endParaRPr/>
+          </a:p>
+          <a:p>
+            <a:pPr indent="-317500" lvl="1" marL="914400" rtl="0" algn="l">
+              <a:spcBef>
+                <a:spcPts val="0"/>
+              </a:spcBef>
+              <a:spcAft>
+                <a:spcPts val="0"/>
+              </a:spcAft>
+              <a:buSzPts val="1400"/>
+              <a:buChar char="○"/>
+            </a:pPr>
+            <a:r>
+              <a:rPr lang="en"/>
+              <a:t>TODO: Wattage when training</a:t>
             </a:r>
             <a:endParaRPr/>
           </a:p>
@@ -8361,7 +8905,7 @@
 </p:sld>
 </file>
 
-<file path=ppt/slides/slide15.xml><?xml version="1.0" encoding="utf-8"?>
+<file path=ppt/slides/slide14.xml><?xml version="1.0" encoding="utf-8"?>
 <p:sld xmlns:a="http://schemas.openxmlformats.org/drawingml/2006/main" xmlns:r="http://schemas.openxmlformats.org/officeDocument/2006/relationships" xmlns:mc="http://schemas.openxmlformats.org/markup-compatibility/2006" xmlns:mv="urn:schemas-microsoft-com:mac:vml" xmlns:p="http://schemas.openxmlformats.org/presentationml/2006/main" xmlns:c="http://schemas.openxmlformats.org/drawingml/2006/chart" xmlns:dgm="http://schemas.openxmlformats.org/drawingml/2006/diagram" xmlns:o="urn:schemas-microsoft-com:office:office" xmlns:v="urn:schemas-microsoft-com:vml" xmlns:pvml="urn:schemas-microsoft-com:office:powerpoint" xmlns:com="http://schemas.openxmlformats.org/drawingml/2006/compatibility" xmlns:p14="http://schemas.microsoft.com/office/powerpoint/2010/main" xmlns:p15="http://schemas.microsoft.com/office/powerpoint/2012/main">
   <p:cSld>
     <p:spTree>
@@ -8380,7 +8924,7 @@
       </p:grpSpPr>
       <p:sp>
         <p:nvSpPr>
-          <p:cNvPr id="144" name="Google Shape;144;p27"/>
+          <p:cNvPr id="144" name="Google Shape;144;p26"/>
           <p:cNvSpPr txBox="1"/>
           <p:nvPr>
             <p:ph type="title"/>
@@ -8412,7 +8956,7 @@
             </a:pPr>
             <a:r>
               <a:rPr lang="en"/>
-              <a:t>Conclusions</a:t>
+              <a:t>Finding the right architecture</a:t>
             </a:r>
             <a:endParaRPr/>
           </a:p>
@@ -8420,7 +8964,7 @@
       </p:sp>
       <p:sp>
         <p:nvSpPr>
-          <p:cNvPr id="145" name="Google Shape;145;p27"/>
+          <p:cNvPr id="145" name="Google Shape;145;p26"/>
           <p:cNvSpPr txBox="1"/>
           <p:nvPr>
             <p:ph idx="1" type="body"/>
@@ -8453,7 +8997,57 @@
             </a:pPr>
             <a:r>
               <a:rPr lang="en"/>
-              <a:t>Finding the best architecture is trial and error</a:t>
+              <a:t>Built infrastructure to train and test different architectures</a:t>
+            </a:r>
+            <a:endParaRPr/>
+          </a:p>
+          <a:p>
+            <a:pPr indent="0" lvl="0" marL="0" rtl="0" algn="l">
+              <a:spcBef>
+                <a:spcPts val="1600"/>
+              </a:spcBef>
+              <a:spcAft>
+                <a:spcPts val="0"/>
+              </a:spcAft>
+              <a:buNone/>
+            </a:pPr>
+            <a:r>
+              <a:rPr lang="en"/>
+              <a:t>TODO: Chart of results</a:t>
+            </a:r>
+            <a:endParaRPr/>
+          </a:p>
+          <a:p>
+            <a:pPr indent="-342900" lvl="0" marL="457200" rtl="0" algn="l">
+              <a:spcBef>
+                <a:spcPts val="1600"/>
+              </a:spcBef>
+              <a:spcAft>
+                <a:spcPts val="0"/>
+              </a:spcAft>
+              <a:buSzPts val="1800"/>
+              <a:buChar char="●"/>
+            </a:pPr>
+            <a:r>
+              <a:rPr lang="en"/>
+              <a:t>Look how poorly deep perceptron did, CNN really does work!</a:t>
+            </a:r>
+            <a:endParaRPr/>
+          </a:p>
+          <a:p>
+            <a:pPr indent="-342900" lvl="0" marL="457200" rtl="0" algn="l">
+              <a:spcBef>
+                <a:spcPts val="0"/>
+              </a:spcBef>
+              <a:spcAft>
+                <a:spcPts val="0"/>
+              </a:spcAft>
+              <a:buSzPts val="1800"/>
+              <a:buChar char="●"/>
+            </a:pPr>
+            <a:r>
+              <a:rPr lang="en"/>
+              <a:t>Best architecture w/ 50 epochs had an accuracy of 55%, took &lt;TODO HOURS&gt;</a:t>
             </a:r>
             <a:endParaRPr/>
           </a:p>
@@ -8470,27 +9064,114 @@
             </a:pPr>
             <a:r>
               <a:rPr lang="en"/>
-              <a:t>Need fastest train times possible so can try out different architectures</a:t>
-            </a:r>
-            <a:endParaRPr/>
-          </a:p>
-          <a:p>
-            <a:pPr indent="-317500" lvl="2" marL="1371600" rtl="0" algn="l">
-              <a:spcBef>
-                <a:spcPts val="0"/>
-              </a:spcBef>
-              <a:spcAft>
-                <a:spcPts val="0"/>
-              </a:spcAft>
-              <a:buSzPts val="1400"/>
-              <a:buChar char="■"/>
+              <a:t>TODO: Check this</a:t>
+            </a:r>
+            <a:endParaRPr/>
+          </a:p>
+          <a:p>
+            <a:pPr indent="0" lvl="0" marL="457200" rtl="0" algn="l">
+              <a:spcBef>
+                <a:spcPts val="1600"/>
+              </a:spcBef>
+              <a:spcAft>
+                <a:spcPts val="1600"/>
+              </a:spcAft>
+              <a:buNone/>
+            </a:pPr>
+            <a:r>
+              <a:t/>
+            </a:r>
+            <a:endParaRPr/>
+          </a:p>
+        </p:txBody>
+      </p:sp>
+    </p:spTree>
+  </p:cSld>
+  <p:clrMapOvr>
+    <a:masterClrMapping/>
+  </p:clrMapOvr>
+</p:sld>
+</file>
+
+<file path=ppt/slides/slide15.xml><?xml version="1.0" encoding="utf-8"?>
+<p:sld xmlns:a="http://schemas.openxmlformats.org/drawingml/2006/main" xmlns:r="http://schemas.openxmlformats.org/officeDocument/2006/relationships" xmlns:mc="http://schemas.openxmlformats.org/markup-compatibility/2006" xmlns:mv="urn:schemas-microsoft-com:mac:vml" xmlns:p="http://schemas.openxmlformats.org/presentationml/2006/main" xmlns:c="http://schemas.openxmlformats.org/drawingml/2006/chart" xmlns:dgm="http://schemas.openxmlformats.org/drawingml/2006/diagram" xmlns:o="urn:schemas-microsoft-com:office:office" xmlns:v="urn:schemas-microsoft-com:vml" xmlns:pvml="urn:schemas-microsoft-com:office:powerpoint" xmlns:com="http://schemas.openxmlformats.org/drawingml/2006/compatibility" xmlns:p14="http://schemas.microsoft.com/office/powerpoint/2010/main" xmlns:p15="http://schemas.microsoft.com/office/powerpoint/2012/main">
+  <p:cSld>
+    <p:spTree>
+      <p:nvGrpSpPr>
+        <p:cNvPr id="149" name="Shape 149"/>
+        <p:cNvGrpSpPr/>
+        <p:nvPr/>
+      </p:nvGrpSpPr>
+      <p:grpSpPr>
+        <a:xfrm>
+          <a:off x="0" y="0"/>
+          <a:ext cx="0" cy="0"/>
+          <a:chOff x="0" y="0"/>
+          <a:chExt cx="0" cy="0"/>
+        </a:xfrm>
+      </p:grpSpPr>
+      <p:sp>
+        <p:nvSpPr>
+          <p:cNvPr id="150" name="Google Shape;150;p27"/>
+          <p:cNvSpPr txBox="1"/>
+          <p:nvPr>
+            <p:ph type="title"/>
+          </p:nvPr>
+        </p:nvSpPr>
+        <p:spPr>
+          <a:xfrm>
+            <a:off x="311700" y="445025"/>
+            <a:ext cx="8520600" cy="572700"/>
+          </a:xfrm>
+          <a:prstGeom prst="rect">
+            <a:avLst/>
+          </a:prstGeom>
+        </p:spPr>
+        <p:txBody>
+          <a:bodyPr anchorCtr="0" anchor="t" bIns="91425" lIns="91425" spcFirstLastPara="1" rIns="91425" wrap="square" tIns="91425">
+            <a:noAutofit/>
+          </a:bodyPr>
+          <a:lstStyle/>
+          <a:p>
+            <a:pPr indent="0" lvl="0" marL="0" rtl="0" algn="l">
+              <a:spcBef>
+                <a:spcPts val="0"/>
+              </a:spcBef>
+              <a:spcAft>
+                <a:spcPts val="0"/>
+              </a:spcAft>
+              <a:buNone/>
             </a:pPr>
             <a:r>
               <a:rPr lang="en"/>
-              <a:t>Efficient pipelining and hardware acceleration is crucial</a:t>
-            </a:r>
-            <a:endParaRPr/>
-          </a:p>
+              <a:t>How many epochs is enough?</a:t>
+            </a:r>
+            <a:endParaRPr/>
+          </a:p>
+        </p:txBody>
+      </p:sp>
+      <p:sp>
+        <p:nvSpPr>
+          <p:cNvPr id="151" name="Google Shape;151;p27"/>
+          <p:cNvSpPr txBox="1"/>
+          <p:nvPr>
+            <p:ph idx="1" type="body"/>
+          </p:nvPr>
+        </p:nvSpPr>
+        <p:spPr>
+          <a:xfrm>
+            <a:off x="311700" y="1152475"/>
+            <a:ext cx="8520600" cy="3416400"/>
+          </a:xfrm>
+          <a:prstGeom prst="rect">
+            <a:avLst/>
+          </a:prstGeom>
+        </p:spPr>
+        <p:txBody>
+          <a:bodyPr anchorCtr="0" anchor="t" bIns="91425" lIns="91425" spcFirstLastPara="1" rIns="91425" wrap="square" tIns="91425">
+            <a:noAutofit/>
+          </a:bodyPr>
+          <a:lstStyle/>
           <a:p>
             <a:pPr indent="-342900" lvl="0" marL="457200" rtl="0" algn="l">
               <a:spcBef>
@@ -8504,7 +9185,146 @@
             </a:pPr>
             <a:r>
               <a:rPr lang="en"/>
-              <a:t>Train network for the type of data you expect</a:t>
+              <a:t>Took the best architecture, trained and tested for different number of epochs</a:t>
+            </a:r>
+            <a:endParaRPr/>
+          </a:p>
+          <a:p>
+            <a:pPr indent="0" lvl="0" marL="0" rtl="0" algn="l">
+              <a:spcBef>
+                <a:spcPts val="1600"/>
+              </a:spcBef>
+              <a:spcAft>
+                <a:spcPts val="0"/>
+              </a:spcAft>
+              <a:buNone/>
+            </a:pPr>
+            <a:r>
+              <a:rPr lang="en"/>
+              <a:t>TODO: Chart of epochs vs accuracy</a:t>
+            </a:r>
+            <a:endParaRPr/>
+          </a:p>
+          <a:p>
+            <a:pPr indent="-342900" lvl="0" marL="457200" rtl="0" algn="l">
+              <a:spcBef>
+                <a:spcPts val="1600"/>
+              </a:spcBef>
+              <a:spcAft>
+                <a:spcPts val="0"/>
+              </a:spcAft>
+              <a:buSzPts val="1800"/>
+              <a:buChar char="●"/>
+            </a:pPr>
+            <a:r>
+              <a:rPr lang="en"/>
+              <a:t>Looks like I was training too much...</a:t>
+            </a:r>
+            <a:endParaRPr/>
+          </a:p>
+        </p:txBody>
+      </p:sp>
+    </p:spTree>
+  </p:cSld>
+  <p:clrMapOvr>
+    <a:masterClrMapping/>
+  </p:clrMapOvr>
+</p:sld>
+</file>
+
+<file path=ppt/slides/slide16.xml><?xml version="1.0" encoding="utf-8"?>
+<p:sld xmlns:a="http://schemas.openxmlformats.org/drawingml/2006/main" xmlns:r="http://schemas.openxmlformats.org/officeDocument/2006/relationships" xmlns:mc="http://schemas.openxmlformats.org/markup-compatibility/2006" xmlns:mv="urn:schemas-microsoft-com:mac:vml" xmlns:p="http://schemas.openxmlformats.org/presentationml/2006/main" xmlns:c="http://schemas.openxmlformats.org/drawingml/2006/chart" xmlns:dgm="http://schemas.openxmlformats.org/drawingml/2006/diagram" xmlns:o="urn:schemas-microsoft-com:office:office" xmlns:v="urn:schemas-microsoft-com:vml" xmlns:pvml="urn:schemas-microsoft-com:office:powerpoint" xmlns:com="http://schemas.openxmlformats.org/drawingml/2006/compatibility" xmlns:p14="http://schemas.microsoft.com/office/powerpoint/2010/main" xmlns:p15="http://schemas.microsoft.com/office/powerpoint/2012/main">
+  <p:cSld>
+    <p:spTree>
+      <p:nvGrpSpPr>
+        <p:cNvPr id="155" name="Shape 155"/>
+        <p:cNvGrpSpPr/>
+        <p:nvPr/>
+      </p:nvGrpSpPr>
+      <p:grpSpPr>
+        <a:xfrm>
+          <a:off x="0" y="0"/>
+          <a:ext cx="0" cy="0"/>
+          <a:chOff x="0" y="0"/>
+          <a:chExt cx="0" cy="0"/>
+        </a:xfrm>
+      </p:grpSpPr>
+      <p:sp>
+        <p:nvSpPr>
+          <p:cNvPr id="156" name="Google Shape;156;p28"/>
+          <p:cNvSpPr txBox="1"/>
+          <p:nvPr>
+            <p:ph type="title"/>
+          </p:nvPr>
+        </p:nvSpPr>
+        <p:spPr>
+          <a:xfrm>
+            <a:off x="311700" y="445025"/>
+            <a:ext cx="8520600" cy="572700"/>
+          </a:xfrm>
+          <a:prstGeom prst="rect">
+            <a:avLst/>
+          </a:prstGeom>
+        </p:spPr>
+        <p:txBody>
+          <a:bodyPr anchorCtr="0" anchor="t" bIns="91425" lIns="91425" spcFirstLastPara="1" rIns="91425" wrap="square" tIns="91425">
+            <a:noAutofit/>
+          </a:bodyPr>
+          <a:lstStyle/>
+          <a:p>
+            <a:pPr indent="0" lvl="0" marL="0" rtl="0" algn="l">
+              <a:spcBef>
+                <a:spcPts val="0"/>
+              </a:spcBef>
+              <a:spcAft>
+                <a:spcPts val="0"/>
+              </a:spcAft>
+              <a:buNone/>
+            </a:pPr>
+            <a:r>
+              <a:rPr lang="en"/>
+              <a:t>Why isn’t the accuracy better?</a:t>
+            </a:r>
+            <a:endParaRPr/>
+          </a:p>
+        </p:txBody>
+      </p:sp>
+      <p:sp>
+        <p:nvSpPr>
+          <p:cNvPr id="157" name="Google Shape;157;p28"/>
+          <p:cNvSpPr txBox="1"/>
+          <p:nvPr>
+            <p:ph idx="1" type="body"/>
+          </p:nvPr>
+        </p:nvSpPr>
+        <p:spPr>
+          <a:xfrm>
+            <a:off x="311700" y="1152475"/>
+            <a:ext cx="8520600" cy="3416400"/>
+          </a:xfrm>
+          <a:prstGeom prst="rect">
+            <a:avLst/>
+          </a:prstGeom>
+        </p:spPr>
+        <p:txBody>
+          <a:bodyPr anchorCtr="0" anchor="t" bIns="91425" lIns="91425" spcFirstLastPara="1" rIns="91425" wrap="square" tIns="91425">
+            <a:noAutofit/>
+          </a:bodyPr>
+          <a:lstStyle/>
+          <a:p>
+            <a:pPr indent="-342900" lvl="0" marL="457200" rtl="0" algn="l">
+              <a:spcBef>
+                <a:spcPts val="0"/>
+              </a:spcBef>
+              <a:spcAft>
+                <a:spcPts val="0"/>
+              </a:spcAft>
+              <a:buSzPts val="1800"/>
+              <a:buChar char="●"/>
+            </a:pPr>
+            <a:r>
+              <a:rPr lang="en"/>
+              <a:t>Two causes:</a:t>
             </a:r>
             <a:endParaRPr/>
           </a:p>
@@ -8520,15 +9340,161 @@
               <a:buChar char="○"/>
             </a:pPr>
             <a:r>
+              <a:rPr lang="en" sz="1400"/>
+              <a:t>Some signal types are hard</a:t>
+            </a:r>
+            <a:endParaRPr/>
+          </a:p>
+          <a:p>
+            <a:pPr indent="-317500" lvl="1" marL="914400" rtl="0" algn="l">
+              <a:spcBef>
+                <a:spcPts val="0"/>
+              </a:spcBef>
+              <a:spcAft>
+                <a:spcPts val="0"/>
+              </a:spcAft>
+              <a:buSzPts val="1400"/>
+              <a:buChar char="○"/>
+            </a:pPr>
+            <a:r>
               <a:rPr lang="en"/>
-              <a:t>Noisy vs. clean data</a:t>
+              <a:t>Low SNR is hard</a:t>
+            </a:r>
+            <a:endParaRPr/>
+          </a:p>
+          <a:p>
+            <a:pPr indent="-317500" lvl="0" marL="457200" marR="0" rtl="0" algn="l">
+              <a:lnSpc>
+                <a:spcPct val="115000"/>
+              </a:lnSpc>
+              <a:spcBef>
+                <a:spcPts val="0"/>
+              </a:spcBef>
+              <a:spcAft>
+                <a:spcPts val="0"/>
+              </a:spcAft>
+              <a:buClr>
+                <a:schemeClr val="accent3"/>
+              </a:buClr>
+              <a:buSzPts val="1400"/>
+              <a:buFont typeface="Proxima Nova"/>
+              <a:buChar char="●"/>
+            </a:pPr>
+            <a:r>
+              <a:rPr lang="en"/>
+              <a:t>Let’s fix these separately…	</a:t>
+            </a:r>
+            <a:endParaRPr/>
+          </a:p>
+        </p:txBody>
+      </p:sp>
+    </p:spTree>
+  </p:cSld>
+  <p:clrMapOvr>
+    <a:masterClrMapping/>
+  </p:clrMapOvr>
+</p:sld>
+</file>
+
+<file path=ppt/slides/slide17.xml><?xml version="1.0" encoding="utf-8"?>
+<p:sld xmlns:a="http://schemas.openxmlformats.org/drawingml/2006/main" xmlns:r="http://schemas.openxmlformats.org/officeDocument/2006/relationships" xmlns:mc="http://schemas.openxmlformats.org/markup-compatibility/2006" xmlns:mv="urn:schemas-microsoft-com:mac:vml" xmlns:p="http://schemas.openxmlformats.org/presentationml/2006/main" xmlns:c="http://schemas.openxmlformats.org/drawingml/2006/chart" xmlns:dgm="http://schemas.openxmlformats.org/drawingml/2006/diagram" xmlns:o="urn:schemas-microsoft-com:office:office" xmlns:v="urn:schemas-microsoft-com:vml" xmlns:pvml="urn:schemas-microsoft-com:office:powerpoint" xmlns:com="http://schemas.openxmlformats.org/drawingml/2006/compatibility" xmlns:p14="http://schemas.microsoft.com/office/powerpoint/2010/main" xmlns:p15="http://schemas.microsoft.com/office/powerpoint/2012/main">
+  <p:cSld>
+    <p:spTree>
+      <p:nvGrpSpPr>
+        <p:cNvPr id="161" name="Shape 161"/>
+        <p:cNvGrpSpPr/>
+        <p:nvPr/>
+      </p:nvGrpSpPr>
+      <p:grpSpPr>
+        <a:xfrm>
+          <a:off x="0" y="0"/>
+          <a:ext cx="0" cy="0"/>
+          <a:chOff x="0" y="0"/>
+          <a:chExt cx="0" cy="0"/>
+        </a:xfrm>
+      </p:grpSpPr>
+      <p:sp>
+        <p:nvSpPr>
+          <p:cNvPr id="162" name="Google Shape;162;p29"/>
+          <p:cNvSpPr txBox="1"/>
+          <p:nvPr>
+            <p:ph type="title"/>
+          </p:nvPr>
+        </p:nvSpPr>
+        <p:spPr>
+          <a:xfrm>
+            <a:off x="311700" y="445025"/>
+            <a:ext cx="8520600" cy="572700"/>
+          </a:xfrm>
+          <a:prstGeom prst="rect">
+            <a:avLst/>
+          </a:prstGeom>
+        </p:spPr>
+        <p:txBody>
+          <a:bodyPr anchorCtr="0" anchor="t" bIns="91425" lIns="91425" spcFirstLastPara="1" rIns="91425" wrap="square" tIns="91425">
+            <a:noAutofit/>
+          </a:bodyPr>
+          <a:lstStyle/>
+          <a:p>
+            <a:pPr indent="0" lvl="0" marL="0" rtl="0" algn="l">
+              <a:spcBef>
+                <a:spcPts val="0"/>
+              </a:spcBef>
+              <a:spcAft>
+                <a:spcPts val="0"/>
+              </a:spcAft>
+              <a:buNone/>
+            </a:pPr>
+            <a:r>
+              <a:rPr lang="en"/>
+              <a:t>What are the hard cases?</a:t>
+            </a:r>
+            <a:endParaRPr/>
+          </a:p>
+        </p:txBody>
+      </p:sp>
+      <p:sp>
+        <p:nvSpPr>
+          <p:cNvPr id="163" name="Google Shape;163;p29"/>
+          <p:cNvSpPr txBox="1"/>
+          <p:nvPr>
+            <p:ph idx="1" type="body"/>
+          </p:nvPr>
+        </p:nvSpPr>
+        <p:spPr>
+          <a:xfrm>
+            <a:off x="311700" y="1152475"/>
+            <a:ext cx="8520600" cy="3416400"/>
+          </a:xfrm>
+          <a:prstGeom prst="rect">
+            <a:avLst/>
+          </a:prstGeom>
+        </p:spPr>
+        <p:txBody>
+          <a:bodyPr anchorCtr="0" anchor="t" bIns="91425" lIns="91425" spcFirstLastPara="1" rIns="91425" wrap="square" tIns="91425">
+            <a:noAutofit/>
+          </a:bodyPr>
+          <a:lstStyle/>
+          <a:p>
+            <a:pPr indent="0" lvl="0" marL="0" rtl="0" algn="l">
+              <a:spcBef>
+                <a:spcPts val="0"/>
+              </a:spcBef>
+              <a:spcAft>
+                <a:spcPts val="0"/>
+              </a:spcAft>
+              <a:buNone/>
+            </a:pPr>
+            <a:r>
+              <a:rPr lang="en"/>
+              <a:t>TODO: Confusion matrix</a:t>
             </a:r>
             <a:endParaRPr/>
           </a:p>
           <a:p>
             <a:pPr indent="-342900" lvl="0" marL="457200" rtl="0" algn="l">
               <a:spcBef>
-                <a:spcPts val="0"/>
+                <a:spcPts val="1600"/>
               </a:spcBef>
               <a:spcAft>
                 <a:spcPts val="0"/>
@@ -8538,7 +9504,7 @@
             </a:pPr>
             <a:r>
               <a:rPr lang="en"/>
-              <a:t>Using specialized networks is good for hard cases</a:t>
+              <a:t>Can see the network is AWFUL at classifying &lt;TODO: Which cases are hard&gt;</a:t>
             </a:r>
             <a:endParaRPr/>
           </a:p>
@@ -8555,7 +9521,318 @@
             </a:pPr>
             <a:r>
               <a:rPr lang="en"/>
-              <a:t>References:</a:t>
+              <a:t>Let’s train a network that specializes in just these two types.</a:t>
+            </a:r>
+            <a:endParaRPr/>
+          </a:p>
+        </p:txBody>
+      </p:sp>
+    </p:spTree>
+  </p:cSld>
+  <p:clrMapOvr>
+    <a:masterClrMapping/>
+  </p:clrMapOvr>
+</p:sld>
+</file>
+
+<file path=ppt/slides/slide18.xml><?xml version="1.0" encoding="utf-8"?>
+<p:sld xmlns:a="http://schemas.openxmlformats.org/drawingml/2006/main" xmlns:r="http://schemas.openxmlformats.org/officeDocument/2006/relationships" xmlns:mc="http://schemas.openxmlformats.org/markup-compatibility/2006" xmlns:mv="urn:schemas-microsoft-com:mac:vml" xmlns:p="http://schemas.openxmlformats.org/presentationml/2006/main" xmlns:c="http://schemas.openxmlformats.org/drawingml/2006/chart" xmlns:dgm="http://schemas.openxmlformats.org/drawingml/2006/diagram" xmlns:o="urn:schemas-microsoft-com:office:office" xmlns:v="urn:schemas-microsoft-com:vml" xmlns:pvml="urn:schemas-microsoft-com:office:powerpoint" xmlns:com="http://schemas.openxmlformats.org/drawingml/2006/compatibility" xmlns:p14="http://schemas.microsoft.com/office/powerpoint/2010/main" xmlns:p15="http://schemas.microsoft.com/office/powerpoint/2012/main">
+  <p:cSld>
+    <p:spTree>
+      <p:nvGrpSpPr>
+        <p:cNvPr id="167" name="Shape 167"/>
+        <p:cNvGrpSpPr/>
+        <p:nvPr/>
+      </p:nvGrpSpPr>
+      <p:grpSpPr>
+        <a:xfrm>
+          <a:off x="0" y="0"/>
+          <a:ext cx="0" cy="0"/>
+          <a:chOff x="0" y="0"/>
+          <a:chExt cx="0" cy="0"/>
+        </a:xfrm>
+      </p:grpSpPr>
+      <p:sp>
+        <p:nvSpPr>
+          <p:cNvPr id="168" name="Google Shape;168;p30"/>
+          <p:cNvSpPr txBox="1"/>
+          <p:nvPr>
+            <p:ph type="title"/>
+          </p:nvPr>
+        </p:nvSpPr>
+        <p:spPr>
+          <a:xfrm>
+            <a:off x="311700" y="445025"/>
+            <a:ext cx="8520600" cy="572700"/>
+          </a:xfrm>
+          <a:prstGeom prst="rect">
+            <a:avLst/>
+          </a:prstGeom>
+        </p:spPr>
+        <p:txBody>
+          <a:bodyPr anchorCtr="0" anchor="t" bIns="91425" lIns="91425" spcFirstLastPara="1" rIns="91425" wrap="square" tIns="91425">
+            <a:noAutofit/>
+          </a:bodyPr>
+          <a:lstStyle/>
+          <a:p>
+            <a:pPr indent="0" lvl="0" marL="0" rtl="0" algn="l">
+              <a:spcBef>
+                <a:spcPts val="0"/>
+              </a:spcBef>
+              <a:spcAft>
+                <a:spcPts val="0"/>
+              </a:spcAft>
+              <a:buNone/>
+            </a:pPr>
+            <a:r>
+              <a:rPr lang="en"/>
+              <a:t>Specialized networks (Ensemble-ish?)</a:t>
+            </a:r>
+            <a:endParaRPr/>
+          </a:p>
+        </p:txBody>
+      </p:sp>
+      <p:sp>
+        <p:nvSpPr>
+          <p:cNvPr id="169" name="Google Shape;169;p30"/>
+          <p:cNvSpPr txBox="1"/>
+          <p:nvPr>
+            <p:ph idx="1" type="body"/>
+          </p:nvPr>
+        </p:nvSpPr>
+        <p:spPr>
+          <a:xfrm>
+            <a:off x="311700" y="1152475"/>
+            <a:ext cx="8520600" cy="3416400"/>
+          </a:xfrm>
+          <a:prstGeom prst="rect">
+            <a:avLst/>
+          </a:prstGeom>
+        </p:spPr>
+        <p:txBody>
+          <a:bodyPr anchorCtr="0" anchor="t" bIns="91425" lIns="91425" spcFirstLastPara="1" rIns="91425" wrap="square" tIns="91425">
+            <a:noAutofit/>
+          </a:bodyPr>
+          <a:lstStyle/>
+          <a:p>
+            <a:pPr indent="-342900" lvl="0" marL="457200" rtl="0" algn="l">
+              <a:spcBef>
+                <a:spcPts val="0"/>
+              </a:spcBef>
+              <a:spcAft>
+                <a:spcPts val="0"/>
+              </a:spcAft>
+              <a:buSzPts val="1800"/>
+              <a:buChar char="●"/>
+            </a:pPr>
+            <a:r>
+              <a:rPr lang="en"/>
+              <a:t>Train a network just for the hard cases</a:t>
+            </a:r>
+            <a:endParaRPr/>
+          </a:p>
+          <a:p>
+            <a:pPr indent="-342900" lvl="0" marL="457200" rtl="0" algn="l">
+              <a:spcBef>
+                <a:spcPts val="0"/>
+              </a:spcBef>
+              <a:spcAft>
+                <a:spcPts val="0"/>
+              </a:spcAft>
+              <a:buSzPts val="1800"/>
+              <a:buChar char="●"/>
+            </a:pPr>
+            <a:r>
+              <a:rPr lang="en"/>
+              <a:t>If the general network predicts one of the hard cases, fall back to the special network</a:t>
+            </a:r>
+            <a:endParaRPr/>
+          </a:p>
+          <a:p>
+            <a:pPr indent="-342900" lvl="0" marL="457200" rtl="0" algn="l">
+              <a:spcBef>
+                <a:spcPts val="0"/>
+              </a:spcBef>
+              <a:spcAft>
+                <a:spcPts val="0"/>
+              </a:spcAft>
+              <a:buSzPts val="1800"/>
+              <a:buChar char="●"/>
+            </a:pPr>
+            <a:r>
+              <a:rPr lang="en"/>
+              <a:t>Results:</a:t>
+            </a:r>
+            <a:endParaRPr/>
+          </a:p>
+          <a:p>
+            <a:pPr indent="0" lvl="0" marL="0" rtl="0" algn="l">
+              <a:spcBef>
+                <a:spcPts val="1600"/>
+              </a:spcBef>
+              <a:spcAft>
+                <a:spcPts val="0"/>
+              </a:spcAft>
+              <a:buNone/>
+            </a:pPr>
+            <a:r>
+              <a:rPr lang="en"/>
+              <a:t>TODO: Chart of confusion and accuracy</a:t>
+            </a:r>
+            <a:endParaRPr/>
+          </a:p>
+          <a:p>
+            <a:pPr indent="-342900" lvl="0" marL="457200" rtl="0" algn="l">
+              <a:spcBef>
+                <a:spcPts val="1600"/>
+              </a:spcBef>
+              <a:spcAft>
+                <a:spcPts val="0"/>
+              </a:spcAft>
+              <a:buSzPts val="1800"/>
+              <a:buChar char="●"/>
+            </a:pPr>
+            <a:r>
+              <a:rPr lang="en"/>
+              <a:t>It works! Accuracy gain of &lt;TODO: accuracy gain percent&gt;</a:t>
+            </a:r>
+            <a:endParaRPr/>
+          </a:p>
+        </p:txBody>
+      </p:sp>
+    </p:spTree>
+  </p:cSld>
+  <p:clrMapOvr>
+    <a:masterClrMapping/>
+  </p:clrMapOvr>
+</p:sld>
+</file>
+
+<file path=ppt/slides/slide19.xml><?xml version="1.0" encoding="utf-8"?>
+<p:sld xmlns:a="http://schemas.openxmlformats.org/drawingml/2006/main" xmlns:r="http://schemas.openxmlformats.org/officeDocument/2006/relationships" xmlns:mc="http://schemas.openxmlformats.org/markup-compatibility/2006" xmlns:mv="urn:schemas-microsoft-com:mac:vml" xmlns:p="http://schemas.openxmlformats.org/presentationml/2006/main" xmlns:c="http://schemas.openxmlformats.org/drawingml/2006/chart" xmlns:dgm="http://schemas.openxmlformats.org/drawingml/2006/diagram" xmlns:o="urn:schemas-microsoft-com:office:office" xmlns:v="urn:schemas-microsoft-com:vml" xmlns:pvml="urn:schemas-microsoft-com:office:powerpoint" xmlns:com="http://schemas.openxmlformats.org/drawingml/2006/compatibility" xmlns:p14="http://schemas.microsoft.com/office/powerpoint/2010/main" xmlns:p15="http://schemas.microsoft.com/office/powerpoint/2012/main">
+  <p:cSld>
+    <p:spTree>
+      <p:nvGrpSpPr>
+        <p:cNvPr id="173" name="Shape 173"/>
+        <p:cNvGrpSpPr/>
+        <p:nvPr/>
+      </p:nvGrpSpPr>
+      <p:grpSpPr>
+        <a:xfrm>
+          <a:off x="0" y="0"/>
+          <a:ext cx="0" cy="0"/>
+          <a:chOff x="0" y="0"/>
+          <a:chExt cx="0" cy="0"/>
+        </a:xfrm>
+      </p:grpSpPr>
+      <p:sp>
+        <p:nvSpPr>
+          <p:cNvPr id="174" name="Google Shape;174;p31"/>
+          <p:cNvSpPr txBox="1"/>
+          <p:nvPr>
+            <p:ph type="title"/>
+          </p:nvPr>
+        </p:nvSpPr>
+        <p:spPr>
+          <a:xfrm>
+            <a:off x="311700" y="445025"/>
+            <a:ext cx="8520600" cy="572700"/>
+          </a:xfrm>
+          <a:prstGeom prst="rect">
+            <a:avLst/>
+          </a:prstGeom>
+        </p:spPr>
+        <p:txBody>
+          <a:bodyPr anchorCtr="0" anchor="t" bIns="91425" lIns="91425" spcFirstLastPara="1" rIns="91425" wrap="square" tIns="91425">
+            <a:noAutofit/>
+          </a:bodyPr>
+          <a:lstStyle/>
+          <a:p>
+            <a:pPr indent="0" lvl="0" marL="0" rtl="0" algn="l">
+              <a:spcBef>
+                <a:spcPts val="0"/>
+              </a:spcBef>
+              <a:spcAft>
+                <a:spcPts val="0"/>
+              </a:spcAft>
+              <a:buNone/>
+            </a:pPr>
+            <a:r>
+              <a:rPr lang="en"/>
+              <a:t>SNR has huge impacts on accuracy</a:t>
+            </a:r>
+            <a:endParaRPr/>
+          </a:p>
+        </p:txBody>
+      </p:sp>
+      <p:sp>
+        <p:nvSpPr>
+          <p:cNvPr id="175" name="Google Shape;175;p31"/>
+          <p:cNvSpPr txBox="1"/>
+          <p:nvPr>
+            <p:ph idx="1" type="body"/>
+          </p:nvPr>
+        </p:nvSpPr>
+        <p:spPr>
+          <a:xfrm>
+            <a:off x="311700" y="1152475"/>
+            <a:ext cx="8520600" cy="3416400"/>
+          </a:xfrm>
+          <a:prstGeom prst="rect">
+            <a:avLst/>
+          </a:prstGeom>
+        </p:spPr>
+        <p:txBody>
+          <a:bodyPr anchorCtr="0" anchor="t" bIns="91425" lIns="91425" spcFirstLastPara="1" rIns="91425" wrap="square" tIns="91425">
+            <a:noAutofit/>
+          </a:bodyPr>
+          <a:lstStyle/>
+          <a:p>
+            <a:pPr indent="0" lvl="0" marL="0" rtl="0" algn="l">
+              <a:spcBef>
+                <a:spcPts val="0"/>
+              </a:spcBef>
+              <a:spcAft>
+                <a:spcPts val="0"/>
+              </a:spcAft>
+              <a:buNone/>
+            </a:pPr>
+            <a:r>
+              <a:rPr lang="en"/>
+              <a:t>TODO: Chart of accuracies</a:t>
+            </a:r>
+            <a:endParaRPr/>
+          </a:p>
+          <a:p>
+            <a:pPr indent="-342900" lvl="0" marL="457200" rtl="0" algn="l">
+              <a:spcBef>
+                <a:spcPts val="1600"/>
+              </a:spcBef>
+              <a:spcAft>
+                <a:spcPts val="0"/>
+              </a:spcAft>
+              <a:buSzPts val="1800"/>
+              <a:buChar char="●"/>
+            </a:pPr>
+            <a:r>
+              <a:rPr lang="en"/>
+              <a:t>What happens when we train for the SNR we expect?</a:t>
+            </a:r>
+            <a:endParaRPr/>
+          </a:p>
+          <a:p>
+            <a:pPr indent="0" lvl="0" marL="0" rtl="0" algn="l">
+              <a:spcBef>
+                <a:spcPts val="1600"/>
+              </a:spcBef>
+              <a:spcAft>
+                <a:spcPts val="1600"/>
+              </a:spcAft>
+              <a:buNone/>
+            </a:pPr>
+            <a:r>
+              <a:rPr lang="en"/>
+              <a:t>TODO: Chart of SNR base training</a:t>
             </a:r>
             <a:endParaRPr/>
           </a:p>
@@ -8676,7 +9953,7 @@
             </a:pPr>
             <a:r>
               <a:rPr lang="en"/>
-              <a:t>There are MANY different signal types (modulations)</a:t>
+              <a:t>There are MANY different radio signal types (modulations)</a:t>
             </a:r>
             <a:endParaRPr/>
           </a:p>
@@ -8768,7 +10045,7 @@
             </a:pPr>
             <a:r>
               <a:rPr lang="en"/>
-              <a:t>We’ll use AM and FM as familiar examples...</a:t>
+              <a:t>We’ll use AM and FM (think of a car radio) as familiar examples...</a:t>
             </a:r>
             <a:endParaRPr/>
           </a:p>
@@ -8802,6 +10079,214 @@
           </a:ln>
         </p:spPr>
       </p:pic>
+    </p:spTree>
+  </p:cSld>
+  <p:clrMapOvr>
+    <a:masterClrMapping/>
+  </p:clrMapOvr>
+</p:sld>
+</file>
+
+<file path=ppt/slides/slide20.xml><?xml version="1.0" encoding="utf-8"?>
+<p:sld xmlns:a="http://schemas.openxmlformats.org/drawingml/2006/main" xmlns:r="http://schemas.openxmlformats.org/officeDocument/2006/relationships" xmlns:mc="http://schemas.openxmlformats.org/markup-compatibility/2006" xmlns:mv="urn:schemas-microsoft-com:mac:vml" xmlns:p="http://schemas.openxmlformats.org/presentationml/2006/main" xmlns:c="http://schemas.openxmlformats.org/drawingml/2006/chart" xmlns:dgm="http://schemas.openxmlformats.org/drawingml/2006/diagram" xmlns:o="urn:schemas-microsoft-com:office:office" xmlns:v="urn:schemas-microsoft-com:vml" xmlns:pvml="urn:schemas-microsoft-com:office:powerpoint" xmlns:com="http://schemas.openxmlformats.org/drawingml/2006/compatibility" xmlns:p14="http://schemas.microsoft.com/office/powerpoint/2010/main" xmlns:p15="http://schemas.microsoft.com/office/powerpoint/2012/main">
+  <p:cSld>
+    <p:spTree>
+      <p:nvGrpSpPr>
+        <p:cNvPr id="179" name="Shape 179"/>
+        <p:cNvGrpSpPr/>
+        <p:nvPr/>
+      </p:nvGrpSpPr>
+      <p:grpSpPr>
+        <a:xfrm>
+          <a:off x="0" y="0"/>
+          <a:ext cx="0" cy="0"/>
+          <a:chOff x="0" y="0"/>
+          <a:chExt cx="0" cy="0"/>
+        </a:xfrm>
+      </p:grpSpPr>
+      <p:sp>
+        <p:nvSpPr>
+          <p:cNvPr id="180" name="Google Shape;180;p32"/>
+          <p:cNvSpPr txBox="1"/>
+          <p:nvPr>
+            <p:ph type="title"/>
+          </p:nvPr>
+        </p:nvSpPr>
+        <p:spPr>
+          <a:xfrm>
+            <a:off x="311700" y="445025"/>
+            <a:ext cx="8520600" cy="572700"/>
+          </a:xfrm>
+          <a:prstGeom prst="rect">
+            <a:avLst/>
+          </a:prstGeom>
+        </p:spPr>
+        <p:txBody>
+          <a:bodyPr anchorCtr="0" anchor="t" bIns="91425" lIns="91425" spcFirstLastPara="1" rIns="91425" wrap="square" tIns="91425">
+            <a:noAutofit/>
+          </a:bodyPr>
+          <a:lstStyle/>
+          <a:p>
+            <a:pPr indent="0" lvl="0" marL="0" rtl="0" algn="l">
+              <a:spcBef>
+                <a:spcPts val="0"/>
+              </a:spcBef>
+              <a:spcAft>
+                <a:spcPts val="0"/>
+              </a:spcAft>
+              <a:buNone/>
+            </a:pPr>
+            <a:r>
+              <a:rPr lang="en"/>
+              <a:t>Conclusions</a:t>
+            </a:r>
+            <a:endParaRPr/>
+          </a:p>
+        </p:txBody>
+      </p:sp>
+      <p:sp>
+        <p:nvSpPr>
+          <p:cNvPr id="181" name="Google Shape;181;p32"/>
+          <p:cNvSpPr txBox="1"/>
+          <p:nvPr>
+            <p:ph idx="1" type="body"/>
+          </p:nvPr>
+        </p:nvSpPr>
+        <p:spPr>
+          <a:xfrm>
+            <a:off x="311700" y="1152475"/>
+            <a:ext cx="8520600" cy="3416400"/>
+          </a:xfrm>
+          <a:prstGeom prst="rect">
+            <a:avLst/>
+          </a:prstGeom>
+        </p:spPr>
+        <p:txBody>
+          <a:bodyPr anchorCtr="0" anchor="t" bIns="91425" lIns="91425" spcFirstLastPara="1" rIns="91425" wrap="square" tIns="91425">
+            <a:noAutofit/>
+          </a:bodyPr>
+          <a:lstStyle/>
+          <a:p>
+            <a:pPr indent="-342900" lvl="0" marL="457200" rtl="0" algn="l">
+              <a:spcBef>
+                <a:spcPts val="0"/>
+              </a:spcBef>
+              <a:spcAft>
+                <a:spcPts val="0"/>
+              </a:spcAft>
+              <a:buSzPts val="1800"/>
+              <a:buChar char="●"/>
+            </a:pPr>
+            <a:r>
+              <a:rPr lang="en"/>
+              <a:t>Finding the best architecture is trial and error</a:t>
+            </a:r>
+            <a:endParaRPr/>
+          </a:p>
+          <a:p>
+            <a:pPr indent="-317500" lvl="1" marL="914400" rtl="0" algn="l">
+              <a:spcBef>
+                <a:spcPts val="0"/>
+              </a:spcBef>
+              <a:spcAft>
+                <a:spcPts val="0"/>
+              </a:spcAft>
+              <a:buSzPts val="1400"/>
+              <a:buChar char="○"/>
+            </a:pPr>
+            <a:r>
+              <a:rPr lang="en"/>
+              <a:t>Need fastest train times possible so can try out different architectures</a:t>
+            </a:r>
+            <a:endParaRPr/>
+          </a:p>
+          <a:p>
+            <a:pPr indent="-317500" lvl="2" marL="1371600" rtl="0" algn="l">
+              <a:spcBef>
+                <a:spcPts val="0"/>
+              </a:spcBef>
+              <a:spcAft>
+                <a:spcPts val="0"/>
+              </a:spcAft>
+              <a:buSzPts val="1400"/>
+              <a:buChar char="■"/>
+            </a:pPr>
+            <a:r>
+              <a:rPr lang="en"/>
+              <a:t>Efficient pipelining and hardware acceleration is crucial</a:t>
+            </a:r>
+            <a:endParaRPr/>
+          </a:p>
+          <a:p>
+            <a:pPr indent="-342900" lvl="0" marL="457200" rtl="0" algn="l">
+              <a:spcBef>
+                <a:spcPts val="0"/>
+              </a:spcBef>
+              <a:spcAft>
+                <a:spcPts val="0"/>
+              </a:spcAft>
+              <a:buSzPts val="1800"/>
+              <a:buChar char="●"/>
+            </a:pPr>
+            <a:r>
+              <a:rPr lang="en"/>
+              <a:t>Train network for the type of data you expect</a:t>
+            </a:r>
+            <a:endParaRPr/>
+          </a:p>
+          <a:p>
+            <a:pPr indent="-317500" lvl="1" marL="914400" rtl="0" algn="l">
+              <a:spcBef>
+                <a:spcPts val="0"/>
+              </a:spcBef>
+              <a:spcAft>
+                <a:spcPts val="0"/>
+              </a:spcAft>
+              <a:buSzPts val="1400"/>
+              <a:buChar char="○"/>
+            </a:pPr>
+            <a:r>
+              <a:rPr lang="en"/>
+              <a:t>Noisy vs. clean data</a:t>
+            </a:r>
+            <a:endParaRPr/>
+          </a:p>
+          <a:p>
+            <a:pPr indent="-342900" lvl="0" marL="457200" rtl="0" algn="l">
+              <a:spcBef>
+                <a:spcPts val="0"/>
+              </a:spcBef>
+              <a:spcAft>
+                <a:spcPts val="0"/>
+              </a:spcAft>
+              <a:buSzPts val="1800"/>
+              <a:buChar char="●"/>
+            </a:pPr>
+            <a:r>
+              <a:rPr lang="en"/>
+              <a:t>Using specialized networks is good for hard cases</a:t>
+            </a:r>
+            <a:endParaRPr/>
+          </a:p>
+          <a:p>
+            <a:pPr indent="-342900" lvl="0" marL="457200" rtl="0" algn="l">
+              <a:spcBef>
+                <a:spcPts val="0"/>
+              </a:spcBef>
+              <a:spcAft>
+                <a:spcPts val="0"/>
+              </a:spcAft>
+              <a:buSzPts val="1800"/>
+              <a:buChar char="●"/>
+            </a:pPr>
+            <a:r>
+              <a:rPr lang="en"/>
+              <a:t>References:</a:t>
+            </a:r>
+            <a:endParaRPr/>
+          </a:p>
+        </p:txBody>
+      </p:sp>
     </p:spTree>
   </p:cSld>
   <p:clrMapOvr>
@@ -8902,96 +10387,60 @@
             </a:pPr>
             <a:r>
               <a:rPr lang="en"/>
-              <a:t>This is what an FM signal sounds like if you use an FM demodulator</a:t>
-            </a:r>
-            <a:endParaRPr/>
-          </a:p>
-          <a:p>
-            <a:pPr indent="-317500" lvl="1" marL="914400" rtl="0" algn="l">
-              <a:spcBef>
-                <a:spcPts val="0"/>
-              </a:spcBef>
-              <a:spcAft>
-                <a:spcPts val="0"/>
-              </a:spcAft>
-              <a:buSzPts val="1400"/>
-              <a:buChar char="○"/>
+              <a:t>This is what an FM signal sounds like if you use an FM demodulator...</a:t>
+            </a:r>
+            <a:endParaRPr/>
+          </a:p>
+          <a:p>
+            <a:pPr indent="0" lvl="0" marL="457200" marR="0" rtl="0" algn="l">
+              <a:lnSpc>
+                <a:spcPct val="115000"/>
+              </a:lnSpc>
+              <a:spcBef>
+                <a:spcPts val="1600"/>
+              </a:spcBef>
+              <a:spcAft>
+                <a:spcPts val="1600"/>
+              </a:spcAft>
+              <a:buNone/>
             </a:pPr>
             <a:r>
               <a:t/>
-            </a:r>
-            <a:endParaRPr/>
-          </a:p>
-          <a:p>
-            <a:pPr indent="-342900" lvl="0" marL="457200" rtl="0" algn="l">
-              <a:spcBef>
-                <a:spcPts val="0"/>
-              </a:spcBef>
-              <a:spcAft>
-                <a:spcPts val="0"/>
-              </a:spcAft>
-              <a:buSzPts val="1800"/>
-              <a:buChar char="●"/>
-            </a:pPr>
-            <a:r>
-              <a:rPr lang="en"/>
-              <a:t>This is what an FM signal sounds like if you use an AM demodulator</a:t>
-            </a:r>
-            <a:endParaRPr/>
-          </a:p>
-          <a:p>
-            <a:pPr indent="-317500" lvl="1" marL="914400" rtl="0" algn="l">
-              <a:spcBef>
-                <a:spcPts val="0"/>
-              </a:spcBef>
-              <a:spcAft>
-                <a:spcPts val="0"/>
-              </a:spcAft>
-              <a:buSzPts val="1400"/>
-              <a:buChar char="○"/>
-            </a:pPr>
-            <a:r>
-              <a:rPr lang="en"/>
-              <a:t>TODO: Sound of FM demoded w/ AM</a:t>
-            </a:r>
-            <a:endParaRPr/>
-          </a:p>
-          <a:p>
-            <a:pPr indent="-342900" lvl="0" marL="457200" rtl="0" algn="l">
-              <a:spcBef>
-                <a:spcPts val="0"/>
-              </a:spcBef>
-              <a:spcAft>
-                <a:spcPts val="0"/>
-              </a:spcAft>
-              <a:buSzPts val="1800"/>
-              <a:buChar char="●"/>
-            </a:pPr>
-            <a:r>
-              <a:rPr lang="en"/>
-              <a:t>Want to use the right demodulator... How do we classify/characterize different signal types?</a:t>
-            </a:r>
-            <a:endParaRPr/>
-          </a:p>
-          <a:p>
-            <a:pPr indent="-317500" lvl="1" marL="914400" rtl="0" algn="l">
-              <a:spcBef>
-                <a:spcPts val="0"/>
-              </a:spcBef>
-              <a:spcAft>
-                <a:spcPts val="0"/>
-              </a:spcAft>
-              <a:buSzPts val="1400"/>
-              <a:buChar char="○"/>
-            </a:pPr>
-            <a:r>
-              <a:rPr lang="en"/>
-              <a:t>Note, I’m using the words classify and characterize interchangeably</a:t>
             </a:r>
             <a:endParaRPr/>
           </a:p>
         </p:txBody>
       </p:sp>
+      <p:pic>
+        <p:nvPicPr>
+          <p:cNvPr id="74" name="Google Shape;74;p15" title="mozart fm">
+            <a:hlinkClick r:id="rId3"/>
+          </p:cNvPr>
+          <p:cNvPicPr preferRelativeResize="0"/>
+          <p:nvPr/>
+        </p:nvPicPr>
+        <p:blipFill>
+          <a:blip r:embed="rId4">
+            <a:alphaModFix/>
+          </a:blip>
+          <a:stretch>
+            <a:fillRect/>
+          </a:stretch>
+        </p:blipFill>
+        <p:spPr>
+          <a:xfrm>
+            <a:off x="2574038" y="1578775"/>
+            <a:ext cx="3995928" cy="2990088"/>
+          </a:xfrm>
+          <a:prstGeom prst="rect">
+            <a:avLst/>
+          </a:prstGeom>
+          <a:noFill/>
+          <a:ln>
+            <a:noFill/>
+          </a:ln>
+        </p:spPr>
+      </p:pic>
     </p:spTree>
   </p:cSld>
   <p:clrMapOvr>
@@ -9005,7 +10454,7 @@
   <p:cSld>
     <p:spTree>
       <p:nvGrpSpPr>
-        <p:cNvPr id="77" name="Shape 77"/>
+        <p:cNvPr id="78" name="Shape 78"/>
         <p:cNvGrpSpPr/>
         <p:nvPr/>
       </p:nvGrpSpPr>
@@ -9019,7 +10468,7 @@
       </p:grpSpPr>
       <p:sp>
         <p:nvSpPr>
-          <p:cNvPr id="78" name="Google Shape;78;p16"/>
+          <p:cNvPr id="79" name="Google Shape;79;p16"/>
           <p:cNvSpPr txBox="1"/>
           <p:nvPr>
             <p:ph type="title"/>
@@ -9051,7 +10500,22 @@
             </a:pPr>
             <a:r>
               <a:rPr lang="en"/>
-              <a:t>Some background info first</a:t>
+              <a:t>Problem and motivation (cont.)</a:t>
+            </a:r>
+            <a:endParaRPr/>
+          </a:p>
+          <a:p>
+            <a:pPr indent="0" lvl="0" marL="0" rtl="0" algn="l">
+              <a:spcBef>
+                <a:spcPts val="0"/>
+              </a:spcBef>
+              <a:spcAft>
+                <a:spcPts val="0"/>
+              </a:spcAft>
+              <a:buNone/>
+            </a:pPr>
+            <a:r>
+              <a:t/>
             </a:r>
             <a:endParaRPr/>
           </a:p>
@@ -9059,7 +10523,7 @@
       </p:sp>
       <p:sp>
         <p:nvSpPr>
-          <p:cNvPr id="79" name="Google Shape;79;p16"/>
+          <p:cNvPr id="80" name="Google Shape;80;p16"/>
           <p:cNvSpPr txBox="1"/>
           <p:nvPr>
             <p:ph idx="1" type="body"/>
@@ -9092,173 +10556,19 @@
             </a:pPr>
             <a:r>
               <a:rPr lang="en"/>
-              <a:t>This is a software defined radio, it’s how you get data</a:t>
-            </a:r>
-            <a:endParaRPr/>
-          </a:p>
-          <a:p>
-            <a:pPr indent="-317500" lvl="1" marL="914400" rtl="0" algn="l">
-              <a:spcBef>
-                <a:spcPts val="0"/>
-              </a:spcBef>
-              <a:spcAft>
-                <a:spcPts val="0"/>
-              </a:spcAft>
-              <a:buSzPts val="1400"/>
-              <a:buChar char="○"/>
-            </a:pPr>
-            <a:r>
-              <a:rPr lang="en"/>
-              <a:t>TODO: Pic of RTL</a:t>
-            </a:r>
-            <a:endParaRPr/>
-          </a:p>
-          <a:p>
-            <a:pPr indent="-342900" lvl="0" marL="457200" rtl="0" algn="l">
-              <a:spcBef>
-                <a:spcPts val="0"/>
-              </a:spcBef>
-              <a:spcAft>
-                <a:spcPts val="0"/>
-              </a:spcAft>
-              <a:buSzPts val="1800"/>
-              <a:buChar char="●"/>
-            </a:pPr>
-            <a:r>
-              <a:rPr lang="en"/>
-              <a:t>Recall what a complex number is</a:t>
-            </a:r>
-            <a:endParaRPr/>
-          </a:p>
-          <a:p>
-            <a:pPr indent="-317500" lvl="1" marL="914400" rtl="0" algn="l">
-              <a:spcBef>
-                <a:spcPts val="0"/>
-              </a:spcBef>
-              <a:spcAft>
-                <a:spcPts val="0"/>
-              </a:spcAft>
-              <a:buSzPts val="1400"/>
-              <a:buChar char="○"/>
-            </a:pPr>
-            <a:r>
-              <a:rPr lang="en"/>
-              <a:t>Ex: 0.5+0.7i</a:t>
-            </a:r>
-            <a:endParaRPr/>
-          </a:p>
-          <a:p>
-            <a:pPr indent="-317500" lvl="1" marL="914400" rtl="0" algn="l">
-              <a:spcBef>
-                <a:spcPts val="0"/>
-              </a:spcBef>
-              <a:spcAft>
-                <a:spcPts val="0"/>
-              </a:spcAft>
-              <a:buSzPts val="1400"/>
-              <a:buChar char="○"/>
-            </a:pPr>
-            <a:r>
-              <a:rPr lang="en"/>
-              <a:t>One complex number is a “sample”</a:t>
-            </a:r>
-            <a:endParaRPr/>
-          </a:p>
-          <a:p>
-            <a:pPr indent="-317500" lvl="1" marL="914400" rtl="0" algn="l">
-              <a:spcBef>
-                <a:spcPts val="0"/>
-              </a:spcBef>
-              <a:spcAft>
-                <a:spcPts val="0"/>
-              </a:spcAft>
-              <a:buSzPts val="1400"/>
-              <a:buChar char="○"/>
-            </a:pPr>
-            <a:r>
-              <a:rPr lang="en"/>
-              <a:t>This is the type of data that comes out of the radio</a:t>
-            </a:r>
-            <a:endParaRPr/>
-          </a:p>
-          <a:p>
-            <a:pPr indent="-317500" lvl="1" marL="914400" rtl="0" algn="l">
-              <a:spcBef>
-                <a:spcPts val="0"/>
-              </a:spcBef>
-              <a:spcAft>
-                <a:spcPts val="0"/>
-              </a:spcAft>
-              <a:buSzPts val="1400"/>
-              <a:buChar char="○"/>
-            </a:pPr>
-            <a:r>
-              <a:rPr lang="en"/>
-              <a:t>X number of samples per second, but that’s not important</a:t>
-            </a:r>
-            <a:endParaRPr/>
-          </a:p>
-          <a:p>
-            <a:pPr indent="-317500" lvl="1" marL="914400" rtl="0" algn="l">
-              <a:spcBef>
-                <a:spcPts val="0"/>
-              </a:spcBef>
-              <a:spcAft>
-                <a:spcPts val="0"/>
-              </a:spcAft>
-              <a:buSzPts val="1400"/>
-              <a:buChar char="○"/>
-            </a:pPr>
-            <a:r>
-              <a:rPr lang="en"/>
-              <a:t>This means our data is 1 dimensional</a:t>
-            </a:r>
-            <a:endParaRPr/>
-          </a:p>
-          <a:p>
-            <a:pPr indent="-317500" lvl="1" marL="914400" rtl="0" algn="l">
-              <a:spcBef>
-                <a:spcPts val="0"/>
-              </a:spcBef>
-              <a:spcAft>
-                <a:spcPts val="0"/>
-              </a:spcAft>
-              <a:buSzPts val="1400"/>
-              <a:buChar char="○"/>
-            </a:pPr>
-            <a:r>
-              <a:rPr lang="en"/>
-              <a:t>TODO: Pic of IQ data</a:t>
-            </a:r>
-            <a:endParaRPr/>
-          </a:p>
-          <a:p>
-            <a:pPr indent="-317500" lvl="2" marL="1371600" rtl="0" algn="l">
-              <a:spcBef>
-                <a:spcPts val="0"/>
-              </a:spcBef>
-              <a:spcAft>
-                <a:spcPts val="0"/>
-              </a:spcAft>
-              <a:buSzPts val="1400"/>
-              <a:buChar char="■"/>
-            </a:pPr>
-            <a:r>
-              <a:rPr lang="en"/>
-              <a:t>X axis is time, Y axis is the value, two lines because we are using complex</a:t>
-            </a:r>
-            <a:endParaRPr/>
-          </a:p>
-          <a:p>
-            <a:pPr indent="-342900" lvl="0" marL="457200" rtl="0" algn="l">
-              <a:spcBef>
-                <a:spcPts val="0"/>
-              </a:spcBef>
-              <a:spcAft>
-                <a:spcPts val="0"/>
-              </a:spcAft>
-              <a:buSzPts val="1800"/>
-              <a:buChar char="●"/>
+              <a:t>This is what that same FM signal sounds like if you use an AM demodulator...</a:t>
+            </a:r>
+            <a:endParaRPr/>
+          </a:p>
+          <a:p>
+            <a:pPr indent="0" lvl="0" marL="0" rtl="0" algn="l">
+              <a:spcBef>
+                <a:spcPts val="1600"/>
+              </a:spcBef>
+              <a:spcAft>
+                <a:spcPts val="1600"/>
+              </a:spcAft>
+              <a:buNone/>
             </a:pPr>
             <a:r>
               <a:t/>
@@ -9267,6 +10577,36 @@
           </a:p>
         </p:txBody>
       </p:sp>
+      <p:pic>
+        <p:nvPicPr>
+          <p:cNvPr id="81" name="Google Shape;81;p16" title="mozart am">
+            <a:hlinkClick r:id="rId3"/>
+          </p:cNvPr>
+          <p:cNvPicPr preferRelativeResize="0"/>
+          <p:nvPr/>
+        </p:nvPicPr>
+        <p:blipFill>
+          <a:blip r:embed="rId4">
+            <a:alphaModFix/>
+          </a:blip>
+          <a:stretch>
+            <a:fillRect/>
+          </a:stretch>
+        </p:blipFill>
+        <p:spPr>
+          <a:xfrm>
+            <a:off x="2576125" y="1575050"/>
+            <a:ext cx="3991750" cy="2993825"/>
+          </a:xfrm>
+          <a:prstGeom prst="rect">
+            <a:avLst/>
+          </a:prstGeom>
+          <a:noFill/>
+          <a:ln>
+            <a:noFill/>
+          </a:ln>
+        </p:spPr>
+      </p:pic>
     </p:spTree>
   </p:cSld>
   <p:clrMapOvr>
@@ -9280,7 +10620,7 @@
   <p:cSld>
     <p:spTree>
       <p:nvGrpSpPr>
-        <p:cNvPr id="83" name="Shape 83"/>
+        <p:cNvPr id="85" name="Shape 85"/>
         <p:cNvGrpSpPr/>
         <p:nvPr/>
       </p:nvGrpSpPr>
@@ -9294,7 +10634,7 @@
       </p:grpSpPr>
       <p:sp>
         <p:nvSpPr>
-          <p:cNvPr id="84" name="Google Shape;84;p17"/>
+          <p:cNvPr id="86" name="Google Shape;86;p17"/>
           <p:cNvSpPr txBox="1"/>
           <p:nvPr>
             <p:ph type="title"/>
@@ -9326,7 +10666,22 @@
             </a:pPr>
             <a:r>
               <a:rPr lang="en"/>
-              <a:t>This is a lot like image recognition</a:t>
+              <a:t>Problem and motivation (cont.)</a:t>
+            </a:r>
+            <a:endParaRPr/>
+          </a:p>
+          <a:p>
+            <a:pPr indent="0" lvl="0" marL="0" rtl="0" algn="l">
+              <a:spcBef>
+                <a:spcPts val="0"/>
+              </a:spcBef>
+              <a:spcAft>
+                <a:spcPts val="0"/>
+              </a:spcAft>
+              <a:buNone/>
+            </a:pPr>
+            <a:r>
+              <a:t/>
             </a:r>
             <a:endParaRPr/>
           </a:p>
@@ -9334,7 +10689,7 @@
       </p:sp>
       <p:sp>
         <p:nvSpPr>
-          <p:cNvPr id="85" name="Google Shape;85;p17"/>
+          <p:cNvPr id="87" name="Google Shape;87;p17"/>
           <p:cNvSpPr txBox="1"/>
           <p:nvPr>
             <p:ph idx="1" type="body"/>
@@ -9367,92 +10722,24 @@
             </a:pPr>
             <a:r>
               <a:rPr lang="en"/>
-              <a:t>The signal can be shifted “left” or “right”</a:t>
-            </a:r>
-            <a:endParaRPr/>
-          </a:p>
-          <a:p>
-            <a:pPr indent="-342900" lvl="0" marL="457200" rtl="0" algn="l">
-              <a:spcBef>
-                <a:spcPts val="0"/>
-              </a:spcBef>
-              <a:spcAft>
-                <a:spcPts val="0"/>
-              </a:spcAft>
-              <a:buSzPts val="1800"/>
-              <a:buChar char="●"/>
+              <a:t>Want to use the right demodulator... How do we classify/characterize different signal types?</a:t>
+            </a:r>
+            <a:endParaRPr/>
+          </a:p>
+          <a:p>
+            <a:pPr indent="-317500" lvl="1" marL="914400" rtl="0" algn="l">
+              <a:spcBef>
+                <a:spcPts val="0"/>
+              </a:spcBef>
+              <a:spcAft>
+                <a:spcPts val="0"/>
+              </a:spcAft>
+              <a:buSzPts val="1400"/>
+              <a:buChar char="○"/>
             </a:pPr>
             <a:r>
               <a:rPr lang="en"/>
-              <a:t>The signal can be scaled up or down</a:t>
-            </a:r>
-            <a:endParaRPr/>
-          </a:p>
-          <a:p>
-            <a:pPr indent="-342900" lvl="0" marL="457200" rtl="0" algn="l">
-              <a:spcBef>
-                <a:spcPts val="0"/>
-              </a:spcBef>
-              <a:spcAft>
-                <a:spcPts val="0"/>
-              </a:spcAft>
-              <a:buSzPts val="1800"/>
-              <a:buChar char="●"/>
-            </a:pPr>
-            <a:r>
-              <a:rPr lang="en"/>
-              <a:t>Signals have distinctive shapes</a:t>
-            </a:r>
-            <a:endParaRPr/>
-          </a:p>
-          <a:p>
-            <a:pPr indent="-342900" lvl="0" marL="457200" rtl="0" algn="l">
-              <a:spcBef>
-                <a:spcPts val="0"/>
-              </a:spcBef>
-              <a:spcAft>
-                <a:spcPts val="0"/>
-              </a:spcAft>
-              <a:buSzPts val="1800"/>
-              <a:buChar char="●"/>
-            </a:pPr>
-            <a:r>
-              <a:rPr lang="en"/>
-              <a:t>It’s very similar to images, just in 1 dimension</a:t>
-            </a:r>
-            <a:endParaRPr/>
-          </a:p>
-          <a:p>
-            <a:pPr indent="-342900" lvl="0" marL="457200" rtl="0" algn="l">
-              <a:spcBef>
-                <a:spcPts val="0"/>
-              </a:spcBef>
-              <a:spcAft>
-                <a:spcPts val="0"/>
-              </a:spcAft>
-              <a:buSzPts val="1800"/>
-              <a:buChar char="●"/>
-            </a:pPr>
-            <a:r>
-              <a:rPr lang="en"/>
-              <a:t>Convolutional Neural Networks seems like the ideal approach</a:t>
-            </a:r>
-            <a:endParaRPr/>
-          </a:p>
-          <a:p>
-            <a:pPr indent="-342900" lvl="0" marL="457200" rtl="0" algn="l">
-              <a:spcBef>
-                <a:spcPts val="0"/>
-              </a:spcBef>
-              <a:spcAft>
-                <a:spcPts val="0"/>
-              </a:spcAft>
-              <a:buSzPts val="1800"/>
-              <a:buChar char="●"/>
-            </a:pPr>
-            <a:r>
-              <a:rPr lang="en"/>
-              <a:t>But there’s a catch...</a:t>
+              <a:t>Note, I’m using the words classify and characterize interchangeably</a:t>
             </a:r>
             <a:endParaRPr/>
           </a:p>
@@ -9471,7 +10758,7 @@
   <p:cSld>
     <p:spTree>
       <p:nvGrpSpPr>
-        <p:cNvPr id="89" name="Shape 89"/>
+        <p:cNvPr id="91" name="Shape 91"/>
         <p:cNvGrpSpPr/>
         <p:nvPr/>
       </p:nvGrpSpPr>
@@ -9485,7 +10772,7 @@
       </p:grpSpPr>
       <p:sp>
         <p:nvSpPr>
-          <p:cNvPr id="90" name="Google Shape;90;p18"/>
+          <p:cNvPr id="92" name="Google Shape;92;p18"/>
           <p:cNvSpPr txBox="1"/>
           <p:nvPr>
             <p:ph type="title"/>
@@ -9517,7 +10804,7 @@
             </a:pPr>
             <a:r>
               <a:rPr lang="en"/>
-              <a:t>Noisy data and SNR</a:t>
+              <a:t>Some background info first</a:t>
             </a:r>
             <a:endParaRPr/>
           </a:p>
@@ -9525,7 +10812,7 @@
       </p:sp>
       <p:sp>
         <p:nvSpPr>
-          <p:cNvPr id="91" name="Google Shape;91;p18"/>
+          <p:cNvPr id="93" name="Google Shape;93;p18"/>
           <p:cNvSpPr txBox="1"/>
           <p:nvPr>
             <p:ph idx="1" type="body"/>
@@ -9558,7 +10845,24 @@
             </a:pPr>
             <a:r>
               <a:rPr lang="en"/>
-              <a:t>When you have a weak signal, it’s noisy</a:t>
+              <a:t>This is a “software defined radio”, it’s how you get data</a:t>
+            </a:r>
+            <a:endParaRPr/>
+          </a:p>
+          <a:p>
+            <a:pPr indent="-342900" lvl="0" marL="457200" rtl="0" algn="l">
+              <a:spcBef>
+                <a:spcPts val="0"/>
+              </a:spcBef>
+              <a:spcAft>
+                <a:spcPts val="0"/>
+              </a:spcAft>
+              <a:buSzPts val="1800"/>
+              <a:buChar char="●"/>
+            </a:pPr>
+            <a:r>
+              <a:rPr lang="en"/>
+              <a:t>Recall what a complex number is</a:t>
             </a:r>
             <a:endParaRPr/>
           </a:p>
@@ -9575,7 +10879,75 @@
             </a:pPr>
             <a:r>
               <a:rPr lang="en"/>
-              <a:t>Think of it like a grainy picture</a:t>
+              <a:t>Ex: 0.5+0.7i</a:t>
+            </a:r>
+            <a:endParaRPr/>
+          </a:p>
+          <a:p>
+            <a:pPr indent="-317500" lvl="2" marL="1371600" rtl="0" algn="l">
+              <a:spcBef>
+                <a:spcPts val="0"/>
+              </a:spcBef>
+              <a:spcAft>
+                <a:spcPts val="0"/>
+              </a:spcAft>
+              <a:buSzPts val="1400"/>
+              <a:buChar char="■"/>
+            </a:pPr>
+            <a:r>
+              <a:rPr lang="en"/>
+              <a:t>0.5 is the real part, 0.7 is the imaginary part</a:t>
+            </a:r>
+            <a:endParaRPr/>
+          </a:p>
+          <a:p>
+            <a:pPr indent="-317500" lvl="1" marL="914400" rtl="0" algn="l">
+              <a:spcBef>
+                <a:spcPts val="0"/>
+              </a:spcBef>
+              <a:spcAft>
+                <a:spcPts val="0"/>
+              </a:spcAft>
+              <a:buSzPts val="1400"/>
+              <a:buChar char="○"/>
+            </a:pPr>
+            <a:r>
+              <a:rPr lang="en"/>
+              <a:t>One complex number is a “sample”</a:t>
+            </a:r>
+            <a:endParaRPr/>
+          </a:p>
+          <a:p>
+            <a:pPr indent="-317500" lvl="1" marL="914400" rtl="0" algn="l">
+              <a:spcBef>
+                <a:spcPts val="0"/>
+              </a:spcBef>
+              <a:spcAft>
+                <a:spcPts val="0"/>
+              </a:spcAft>
+              <a:buSzPts val="1400"/>
+              <a:buChar char="○"/>
+            </a:pPr>
+            <a:r>
+              <a:rPr lang="en"/>
+              <a:t>This is the type of data that comes out of the radio</a:t>
+            </a:r>
+            <a:endParaRPr/>
+          </a:p>
+          <a:p>
+            <a:pPr indent="-317500" lvl="1" marL="914400" rtl="0" algn="l">
+              <a:spcBef>
+                <a:spcPts val="0"/>
+              </a:spcBef>
+              <a:spcAft>
+                <a:spcPts val="0"/>
+              </a:spcAft>
+              <a:buSzPts val="1400"/>
+              <a:buChar char="○"/>
+            </a:pPr>
+            <a:r>
+              <a:rPr lang="en"/>
+              <a:t>X number of samples per second, but that’s not important</a:t>
             </a:r>
             <a:endParaRPr/>
           </a:p>
@@ -9592,41 +10964,7 @@
             </a:pPr>
             <a:r>
               <a:rPr lang="en"/>
-              <a:t>SNR is “Signal to noise ratio”</a:t>
-            </a:r>
-            <a:endParaRPr/>
-          </a:p>
-          <a:p>
-            <a:pPr indent="-342900" lvl="0" marL="457200" rtl="0" algn="l">
-              <a:spcBef>
-                <a:spcPts val="0"/>
-              </a:spcBef>
-              <a:spcAft>
-                <a:spcPts val="0"/>
-              </a:spcAft>
-              <a:buSzPts val="1800"/>
-              <a:buChar char="●"/>
-            </a:pPr>
-            <a:r>
-              <a:rPr lang="en"/>
-              <a:t>When you hear static on your car radio: Low SNR</a:t>
-            </a:r>
-            <a:endParaRPr/>
-          </a:p>
-          <a:p>
-            <a:pPr indent="-342900" lvl="0" marL="457200" rtl="0" algn="l">
-              <a:spcBef>
-                <a:spcPts val="0"/>
-              </a:spcBef>
-              <a:spcAft>
-                <a:spcPts val="0"/>
-              </a:spcAft>
-              <a:buSzPts val="1800"/>
-              <a:buChar char="●"/>
-            </a:pPr>
-            <a:r>
-              <a:rPr lang="en"/>
-              <a:t>This is a signal with high SNR</a:t>
+              <a:t>This is what the data looks like</a:t>
             </a:r>
             <a:endParaRPr/>
           </a:p>
@@ -9643,24 +10981,7 @@
             </a:pPr>
             <a:r>
               <a:rPr lang="en"/>
-              <a:t>TODO: Strong signal</a:t>
-            </a:r>
-            <a:endParaRPr/>
-          </a:p>
-          <a:p>
-            <a:pPr indent="-342900" lvl="0" marL="457200" rtl="0" algn="l">
-              <a:spcBef>
-                <a:spcPts val="0"/>
-              </a:spcBef>
-              <a:spcAft>
-                <a:spcPts val="0"/>
-              </a:spcAft>
-              <a:buSzPts val="1800"/>
-              <a:buChar char="●"/>
-            </a:pPr>
-            <a:r>
-              <a:rPr lang="en"/>
-              <a:t>This is a signal with low SNR</a:t>
+              <a:t>Blue is the real portion, red imaginary</a:t>
             </a:r>
             <a:endParaRPr/>
           </a:p>
@@ -9677,46 +10998,108 @@
             </a:pPr>
             <a:r>
               <a:rPr lang="en"/>
-              <a:t>TODO: Weak signal</a:t>
-            </a:r>
-            <a:endParaRPr/>
-          </a:p>
-          <a:p>
-            <a:pPr indent="-342900" lvl="0" marL="457200" rtl="0" algn="l">
-              <a:spcBef>
-                <a:spcPts val="0"/>
-              </a:spcBef>
-              <a:spcAft>
-                <a:spcPts val="0"/>
-              </a:spcAft>
-              <a:buSzPts val="1800"/>
-              <a:buChar char="●"/>
-            </a:pPr>
-            <a:r>
+              <a:t>We can easily interleave (flatten) them, so that our data</a:t>
+            </a:r>
+            <a:br>
               <a:rPr lang="en"/>
-              <a:t>There’s some math behind SNR, it can be negative</a:t>
-            </a:r>
-            <a:endParaRPr/>
-          </a:p>
-          <a:p>
-            <a:pPr indent="-317500" lvl="1" marL="914400" rtl="0" algn="l">
-              <a:spcBef>
-                <a:spcPts val="0"/>
-              </a:spcBef>
-              <a:spcAft>
-                <a:spcPts val="0"/>
-              </a:spcAft>
-              <a:buSzPts val="1400"/>
-              <a:buChar char="○"/>
-            </a:pPr>
+            </a:br>
             <a:r>
               <a:rPr lang="en"/>
-              <a:t>That’s not important, just remember, higher snr -&gt; clearer signal</a:t>
+              <a:t>is effectively 1 dimensional</a:t>
+            </a:r>
+            <a:endParaRPr/>
+          </a:p>
+          <a:p>
+            <a:pPr indent="0" lvl="0" marL="914400" marR="0" rtl="0" algn="l">
+              <a:lnSpc>
+                <a:spcPct val="115000"/>
+              </a:lnSpc>
+              <a:spcBef>
+                <a:spcPts val="1600"/>
+              </a:spcBef>
+              <a:spcAft>
+                <a:spcPts val="0"/>
+              </a:spcAft>
+              <a:buNone/>
+            </a:pPr>
+            <a:r>
+              <a:t/>
+            </a:r>
+            <a:endParaRPr/>
+          </a:p>
+          <a:p>
+            <a:pPr indent="0" lvl="0" marL="457200" rtl="0" algn="l">
+              <a:spcBef>
+                <a:spcPts val="1600"/>
+              </a:spcBef>
+              <a:spcAft>
+                <a:spcPts val="1600"/>
+              </a:spcAft>
+              <a:buNone/>
+            </a:pPr>
+            <a:r>
+              <a:t/>
             </a:r>
             <a:endParaRPr/>
           </a:p>
         </p:txBody>
       </p:sp>
+      <p:pic>
+        <p:nvPicPr>
+          <p:cNvPr id="94" name="Google Shape;94;p18"/>
+          <p:cNvPicPr preferRelativeResize="0"/>
+          <p:nvPr/>
+        </p:nvPicPr>
+        <p:blipFill>
+          <a:blip r:embed="rId3">
+            <a:alphaModFix/>
+          </a:blip>
+          <a:stretch>
+            <a:fillRect/>
+          </a:stretch>
+        </p:blipFill>
+        <p:spPr>
+          <a:xfrm>
+            <a:off x="5867900" y="2827150"/>
+            <a:ext cx="3276099" cy="2195901"/>
+          </a:xfrm>
+          <a:prstGeom prst="rect">
+            <a:avLst/>
+          </a:prstGeom>
+          <a:noFill/>
+          <a:ln>
+            <a:noFill/>
+          </a:ln>
+        </p:spPr>
+      </p:pic>
+      <p:pic>
+        <p:nvPicPr>
+          <p:cNvPr id="95" name="Google Shape;95;p18"/>
+          <p:cNvPicPr preferRelativeResize="0"/>
+          <p:nvPr/>
+        </p:nvPicPr>
+        <p:blipFill>
+          <a:blip r:embed="rId4">
+            <a:alphaModFix/>
+          </a:blip>
+          <a:stretch>
+            <a:fillRect/>
+          </a:stretch>
+        </p:blipFill>
+        <p:spPr>
+          <a:xfrm>
+            <a:off x="6337450" y="525596"/>
+            <a:ext cx="1884700" cy="1517125"/>
+          </a:xfrm>
+          <a:prstGeom prst="rect">
+            <a:avLst/>
+          </a:prstGeom>
+          <a:noFill/>
+          <a:ln>
+            <a:noFill/>
+          </a:ln>
+        </p:spPr>
+      </p:pic>
     </p:spTree>
   </p:cSld>
   <p:clrMapOvr>
@@ -9730,7 +11113,7 @@
   <p:cSld>
     <p:spTree>
       <p:nvGrpSpPr>
-        <p:cNvPr id="95" name="Shape 95"/>
+        <p:cNvPr id="99" name="Shape 99"/>
         <p:cNvGrpSpPr/>
         <p:nvPr/>
       </p:nvGrpSpPr>
@@ -9744,7 +11127,7 @@
       </p:grpSpPr>
       <p:sp>
         <p:nvSpPr>
-          <p:cNvPr id="96" name="Google Shape;96;p19"/>
+          <p:cNvPr id="100" name="Google Shape;100;p19"/>
           <p:cNvSpPr txBox="1"/>
           <p:nvPr>
             <p:ph type="title"/>
@@ -9776,7 +11159,7 @@
             </a:pPr>
             <a:r>
               <a:rPr lang="en"/>
-              <a:t>The Dataset</a:t>
+              <a:t>This is a lot like image recognition</a:t>
             </a:r>
             <a:endParaRPr/>
           </a:p>
@@ -9784,7 +11167,7 @@
       </p:sp>
       <p:sp>
         <p:nvSpPr>
-          <p:cNvPr id="97" name="Google Shape;97;p19"/>
+          <p:cNvPr id="101" name="Google Shape;101;p19"/>
           <p:cNvSpPr txBox="1"/>
           <p:nvPr>
             <p:ph idx="1" type="body"/>
@@ -9817,20 +11200,7 @@
             </a:pPr>
             <a:r>
               <a:rPr lang="en"/>
-              <a:t>Freely available online at </a:t>
-            </a:r>
-            <a:r>
-              <a:rPr lang="en" sz="1100" u="sng">
-                <a:solidFill>
-                  <a:schemeClr val="hlink"/>
-                </a:solidFill>
-                <a:latin typeface="Arial"/>
-                <a:ea typeface="Arial"/>
-                <a:cs typeface="Arial"/>
-                <a:sym typeface="Arial"/>
-                <a:hlinkClick r:id="rId3"/>
-              </a:rPr>
-              <a:t>https://www.deepsig.io/</a:t>
+              <a:t>The signal can be shifted “left” or “right”</a:t>
             </a:r>
             <a:endParaRPr/>
           </a:p>
@@ -9847,7 +11217,7 @@
             </a:pPr>
             <a:r>
               <a:rPr lang="en"/>
-              <a:t>2 Million examples</a:t>
+              <a:t>The signal can be scaled up or down</a:t>
             </a:r>
             <a:endParaRPr/>
           </a:p>
@@ -9864,7 +11234,7 @@
             </a:pPr>
             <a:r>
               <a:rPr lang="en"/>
-              <a:t>Each example 1024 samples -&gt; 2048 floats</a:t>
+              <a:t>Signals have distinctive shapes</a:t>
             </a:r>
             <a:endParaRPr/>
           </a:p>
@@ -9881,7 +11251,7 @@
             </a:pPr>
             <a:r>
               <a:rPr lang="en"/>
-              <a:t>24 signal types</a:t>
+              <a:t>It’s very similar to images, just in 1 dimension</a:t>
             </a:r>
             <a:endParaRPr/>
           </a:p>
@@ -9898,7 +11268,7 @@
             </a:pPr>
             <a:r>
               <a:rPr lang="en"/>
-              <a:t>26 SNRs ranging from very weak to very strong</a:t>
+              <a:t>Convolutional Neural Networks seems like the ideal approach</a:t>
             </a:r>
             <a:endParaRPr/>
           </a:p>
@@ -9915,58 +11285,7 @@
             </a:pPr>
             <a:r>
               <a:rPr lang="en"/>
-              <a:t>Too much data! Can’t train reasonably</a:t>
-            </a:r>
-            <a:endParaRPr/>
-          </a:p>
-          <a:p>
-            <a:pPr indent="-317500" lvl="1" marL="914400" rtl="0" algn="l">
-              <a:spcBef>
-                <a:spcPts val="0"/>
-              </a:spcBef>
-              <a:spcAft>
-                <a:spcPts val="0"/>
-              </a:spcAft>
-              <a:buSzPts val="1400"/>
-              <a:buChar char="○"/>
-            </a:pPr>
-            <a:r>
-              <a:rPr lang="en"/>
-              <a:t>Select only a reasonable range of SNR</a:t>
-            </a:r>
-            <a:endParaRPr/>
-          </a:p>
-          <a:p>
-            <a:pPr indent="-317500" lvl="1" marL="914400" rtl="0" algn="l">
-              <a:spcBef>
-                <a:spcPts val="0"/>
-              </a:spcBef>
-              <a:spcAft>
-                <a:spcPts val="0"/>
-              </a:spcAft>
-              <a:buSzPts val="1400"/>
-              <a:buChar char="○"/>
-            </a:pPr>
-            <a:r>
-              <a:rPr lang="en"/>
-              <a:t>My subset of the data is all 24 signal types, and 6 SNRs</a:t>
-            </a:r>
-            <a:endParaRPr/>
-          </a:p>
-          <a:p>
-            <a:pPr indent="-317500" lvl="1" marL="914400" rtl="0" algn="l">
-              <a:spcBef>
-                <a:spcPts val="0"/>
-              </a:spcBef>
-              <a:spcAft>
-                <a:spcPts val="0"/>
-              </a:spcAft>
-              <a:buSzPts val="1400"/>
-              <a:buChar char="○"/>
-            </a:pPr>
-            <a:r>
-              <a:rPr lang="en"/>
-              <a:t>-&gt; 59000 examples</a:t>
+              <a:t>But there’s a catch...</a:t>
             </a:r>
             <a:endParaRPr/>
           </a:p>
@@ -9985,7 +11304,7 @@
   <p:cSld>
     <p:spTree>
       <p:nvGrpSpPr>
-        <p:cNvPr id="101" name="Shape 101"/>
+        <p:cNvPr id="105" name="Shape 105"/>
         <p:cNvGrpSpPr/>
         <p:nvPr/>
       </p:nvGrpSpPr>
@@ -9999,7 +11318,7 @@
       </p:grpSpPr>
       <p:sp>
         <p:nvSpPr>
-          <p:cNvPr id="102" name="Google Shape;102;p20"/>
+          <p:cNvPr id="106" name="Google Shape;106;p20"/>
           <p:cNvSpPr txBox="1"/>
           <p:nvPr>
             <p:ph type="title"/>
@@ -10031,22 +11350,7 @@
             </a:pPr>
             <a:r>
               <a:rPr lang="en"/>
-              <a:t>Technical challenges of training CNN</a:t>
-            </a:r>
-            <a:endParaRPr/>
-          </a:p>
-          <a:p>
-            <a:pPr indent="0" lvl="0" marL="0" rtl="0" algn="l">
-              <a:spcBef>
-                <a:spcPts val="0"/>
-              </a:spcBef>
-              <a:spcAft>
-                <a:spcPts val="0"/>
-              </a:spcAft>
-              <a:buNone/>
-            </a:pPr>
-            <a:r>
-              <a:t/>
+              <a:t>Noisy data and SNR</a:t>
             </a:r>
             <a:endParaRPr/>
           </a:p>
@@ -10054,7 +11358,7 @@
       </p:sp>
       <p:sp>
         <p:nvSpPr>
-          <p:cNvPr id="103" name="Google Shape;103;p20"/>
+          <p:cNvPr id="107" name="Google Shape;107;p20"/>
           <p:cNvSpPr txBox="1"/>
           <p:nvPr>
             <p:ph idx="1" type="body"/>
@@ -10087,47 +11391,12 @@
             </a:pPr>
             <a:r>
               <a:rPr lang="en"/>
-              <a:t>Using Tensorflow, with hardware acceleration on a Nvidia GTX1080</a:t>
-            </a:r>
-            <a:endParaRPr/>
-          </a:p>
-          <a:p>
-            <a:pPr indent="-317500" lvl="0" marL="457200" marR="0" rtl="0" algn="l">
-              <a:lnSpc>
-                <a:spcPct val="115000"/>
-              </a:lnSpc>
-              <a:spcBef>
-                <a:spcPts val="0"/>
-              </a:spcBef>
-              <a:spcAft>
-                <a:spcPts val="0"/>
-              </a:spcAft>
-              <a:buClr>
-                <a:schemeClr val="accent3"/>
-              </a:buClr>
-              <a:buSzPts val="1400"/>
-              <a:buFont typeface="Proxima Nova"/>
-              <a:buChar char="●"/>
-            </a:pPr>
-            <a:r>
-              <a:rPr lang="en"/>
-              <a:t>Spent </a:t>
-            </a:r>
-            <a:r>
-              <a:rPr b="1" lang="en"/>
-              <a:t>a lot</a:t>
-            </a:r>
-            <a:r>
-              <a:rPr lang="en"/>
-              <a:t> of time optimizing the training pipeline	</a:t>
-            </a:r>
-            <a:endParaRPr/>
-          </a:p>
-          <a:p>
-            <a:pPr indent="-317500" lvl="1" marL="914400" marR="0" rtl="0" algn="l">
-              <a:lnSpc>
-                <a:spcPct val="115000"/>
-              </a:lnSpc>
+              <a:t>When you have a weak signal, it’s noisy</a:t>
+            </a:r>
+            <a:endParaRPr/>
+          </a:p>
+          <a:p>
+            <a:pPr indent="-317500" lvl="1" marL="914400" rtl="0" algn="l">
               <a:spcBef>
                 <a:spcPts val="0"/>
               </a:spcBef>
@@ -10139,75 +11408,41 @@
             </a:pPr>
             <a:r>
               <a:rPr lang="en"/>
-              <a:t>Dataset can’t fit in memory</a:t>
-            </a:r>
-            <a:endParaRPr/>
-          </a:p>
-          <a:p>
-            <a:pPr indent="-317500" lvl="1" marL="914400" rtl="0" algn="l">
-              <a:spcBef>
-                <a:spcPts val="0"/>
-              </a:spcBef>
-              <a:spcAft>
-                <a:spcPts val="0"/>
-              </a:spcAft>
-              <a:buSzPts val="1400"/>
-              <a:buChar char="○"/>
+              <a:t>Think of it like a grainy picture</a:t>
+            </a:r>
+            <a:endParaRPr/>
+          </a:p>
+          <a:p>
+            <a:pPr indent="-342900" lvl="0" marL="457200" rtl="0" algn="l">
+              <a:spcBef>
+                <a:spcPts val="0"/>
+              </a:spcBef>
+              <a:spcAft>
+                <a:spcPts val="0"/>
+              </a:spcAft>
+              <a:buSzPts val="1800"/>
+              <a:buChar char="●"/>
             </a:pPr>
             <a:r>
               <a:rPr lang="en"/>
-              <a:t>Parallelize training and pre-fetching data samples</a:t>
-            </a:r>
-            <a:endParaRPr/>
-          </a:p>
-          <a:p>
-            <a:pPr indent="-317500" lvl="1" marL="914400" rtl="0" algn="l">
-              <a:spcBef>
-                <a:spcPts val="0"/>
-              </a:spcBef>
-              <a:spcAft>
-                <a:spcPts val="0"/>
-              </a:spcAft>
-              <a:buSzPts val="1400"/>
-              <a:buChar char="○"/>
+              <a:t>SNR is “Signal to noise ratio”</a:t>
+            </a:r>
+            <a:endParaRPr/>
+          </a:p>
+          <a:p>
+            <a:pPr indent="-342900" lvl="0" marL="457200" rtl="0" algn="l">
+              <a:spcBef>
+                <a:spcPts val="0"/>
+              </a:spcBef>
+              <a:spcAft>
+                <a:spcPts val="0"/>
+              </a:spcAft>
+              <a:buSzPts val="1800"/>
+              <a:buChar char="●"/>
             </a:pPr>
             <a:r>
               <a:rPr lang="en"/>
-              <a:t>~97% utilization of GPU, not bad</a:t>
-            </a:r>
-            <a:endParaRPr/>
-          </a:p>
-          <a:p>
-            <a:pPr indent="-317500" lvl="1" marL="914400" rtl="0" algn="l">
-              <a:spcBef>
-                <a:spcPts val="0"/>
-              </a:spcBef>
-              <a:spcAft>
-                <a:spcPts val="0"/>
-              </a:spcAft>
-              <a:buSzPts val="1400"/>
-              <a:buChar char="○"/>
-            </a:pPr>
-            <a:r>
-              <a:rPr lang="en"/>
-              <a:t>TODO: How much faster is hardware acceleration’</a:t>
-            </a:r>
-            <a:endParaRPr/>
-          </a:p>
-          <a:p>
-            <a:pPr indent="-317500" lvl="1" marL="914400" rtl="0" algn="l">
-              <a:spcBef>
-                <a:spcPts val="0"/>
-              </a:spcBef>
-              <a:spcAft>
-                <a:spcPts val="0"/>
-              </a:spcAft>
-              <a:buSzPts val="1400"/>
-              <a:buChar char="○"/>
-            </a:pPr>
-            <a:r>
-              <a:rPr lang="en"/>
-              <a:t>TODO: Wattage when training</a:t>
+              <a:t>When you hear static on your car radio: Low SNR</a:t>
             </a:r>
             <a:endParaRPr/>
           </a:p>
@@ -10226,7 +11461,7 @@
   <p:cSld>
     <p:spTree>
       <p:nvGrpSpPr>
-        <p:cNvPr id="107" name="Shape 107"/>
+        <p:cNvPr id="111" name="Shape 111"/>
         <p:cNvGrpSpPr/>
         <p:nvPr/>
       </p:nvGrpSpPr>
@@ -10240,7 +11475,7 @@
       </p:grpSpPr>
       <p:sp>
         <p:nvSpPr>
-          <p:cNvPr id="108" name="Google Shape;108;p21"/>
+          <p:cNvPr id="112" name="Google Shape;112;p21"/>
           <p:cNvSpPr txBox="1"/>
           <p:nvPr>
             <p:ph type="title"/>
@@ -10272,7 +11507,22 @@
             </a:pPr>
             <a:r>
               <a:rPr lang="en"/>
-              <a:t>Finding the right architecture</a:t>
+              <a:t>Noisy data and SNR (Cont.)</a:t>
+            </a:r>
+            <a:endParaRPr/>
+          </a:p>
+          <a:p>
+            <a:pPr indent="0" lvl="0" marL="0" rtl="0" algn="l">
+              <a:spcBef>
+                <a:spcPts val="0"/>
+              </a:spcBef>
+              <a:spcAft>
+                <a:spcPts val="0"/>
+              </a:spcAft>
+              <a:buNone/>
+            </a:pPr>
+            <a:r>
+              <a:t/>
             </a:r>
             <a:endParaRPr/>
           </a:p>
@@ -10280,7 +11530,7 @@
       </p:sp>
       <p:sp>
         <p:nvSpPr>
-          <p:cNvPr id="109" name="Google Shape;109;p21"/>
+          <p:cNvPr id="113" name="Google Shape;113;p21"/>
           <p:cNvSpPr txBox="1"/>
           <p:nvPr>
             <p:ph idx="1" type="body"/>
@@ -10301,106 +11551,79 @@
           </a:bodyPr>
           <a:lstStyle/>
           <a:p>
-            <a:pPr indent="-342900" lvl="0" marL="457200" rtl="0" algn="l">
-              <a:spcBef>
-                <a:spcPts val="0"/>
-              </a:spcBef>
-              <a:spcAft>
-                <a:spcPts val="0"/>
-              </a:spcAft>
-              <a:buSzPts val="1800"/>
-              <a:buChar char="●"/>
+            <a:pPr indent="0" lvl="0" marL="0" rtl="0" algn="l">
+              <a:spcBef>
+                <a:spcPts val="0"/>
+              </a:spcBef>
+              <a:spcAft>
+                <a:spcPts val="1600"/>
+              </a:spcAft>
+              <a:buNone/>
             </a:pPr>
             <a:r>
               <a:rPr lang="en"/>
-              <a:t>Built infrastructure to train and test different architectures</a:t>
-            </a:r>
-            <a:endParaRPr/>
-          </a:p>
-          <a:p>
-            <a:pPr indent="0" lvl="0" marL="0" rtl="0" algn="l">
-              <a:spcBef>
-                <a:spcPts val="1600"/>
-              </a:spcBef>
-              <a:spcAft>
-                <a:spcPts val="0"/>
-              </a:spcAft>
-              <a:buNone/>
-            </a:pPr>
-            <a:r>
-              <a:rPr lang="en"/>
-              <a:t>TODO: Chart of results</a:t>
-            </a:r>
-            <a:endParaRPr/>
-          </a:p>
-          <a:p>
-            <a:pPr indent="-342900" lvl="0" marL="457200" rtl="0" algn="l">
-              <a:spcBef>
-                <a:spcPts val="1600"/>
-              </a:spcBef>
-              <a:spcAft>
-                <a:spcPts val="0"/>
-              </a:spcAft>
-              <a:buSzPts val="1800"/>
-              <a:buChar char="●"/>
-            </a:pPr>
-            <a:r>
-              <a:rPr lang="en"/>
-              <a:t>Look how poorly deep perceptron did, CNN really does work!</a:t>
-            </a:r>
-            <a:endParaRPr/>
-          </a:p>
-          <a:p>
-            <a:pPr indent="-342900" lvl="0" marL="457200" rtl="0" algn="l">
-              <a:spcBef>
-                <a:spcPts val="0"/>
-              </a:spcBef>
-              <a:spcAft>
-                <a:spcPts val="0"/>
-              </a:spcAft>
-              <a:buSzPts val="1800"/>
-              <a:buChar char="●"/>
-            </a:pPr>
-            <a:r>
-              <a:rPr lang="en"/>
-              <a:t>Best architecture w/ 50 epochs had an accuracy of 55%, took &lt;TODO HOURS&gt;</a:t>
-            </a:r>
-            <a:endParaRPr/>
-          </a:p>
-          <a:p>
-            <a:pPr indent="-317500" lvl="1" marL="914400" rtl="0" algn="l">
-              <a:spcBef>
-                <a:spcPts val="0"/>
-              </a:spcBef>
-              <a:spcAft>
-                <a:spcPts val="0"/>
-              </a:spcAft>
-              <a:buSzPts val="1400"/>
-              <a:buChar char="○"/>
-            </a:pPr>
-            <a:r>
-              <a:rPr lang="en"/>
-              <a:t>TODO: Check this</a:t>
-            </a:r>
-            <a:endParaRPr/>
-          </a:p>
-          <a:p>
-            <a:pPr indent="0" lvl="0" marL="457200" rtl="0" algn="l">
-              <a:spcBef>
-                <a:spcPts val="1600"/>
-              </a:spcBef>
-              <a:spcAft>
-                <a:spcPts val="1600"/>
-              </a:spcAft>
-              <a:buNone/>
-            </a:pPr>
-            <a:r>
-              <a:t/>
+              <a:t>Strong signal (High SNR) vs Weak signal (LOW SNR)</a:t>
             </a:r>
             <a:endParaRPr/>
           </a:p>
         </p:txBody>
       </p:sp>
+      <p:pic>
+        <p:nvPicPr>
+          <p:cNvPr id="114" name="Google Shape;114;p21"/>
+          <p:cNvPicPr preferRelativeResize="0"/>
+          <p:nvPr/>
+        </p:nvPicPr>
+        <p:blipFill>
+          <a:blip r:embed="rId3">
+            <a:alphaModFix/>
+          </a:blip>
+          <a:stretch>
+            <a:fillRect/>
+          </a:stretch>
+        </p:blipFill>
+        <p:spPr>
+          <a:xfrm>
+            <a:off x="5196551" y="1740000"/>
+            <a:ext cx="3635751" cy="3125075"/>
+          </a:xfrm>
+          <a:prstGeom prst="rect">
+            <a:avLst/>
+          </a:prstGeom>
+          <a:noFill/>
+          <a:ln>
+            <a:noFill/>
+          </a:ln>
+        </p:spPr>
+      </p:pic>
+      <p:pic>
+        <p:nvPicPr>
+          <p:cNvPr id="115" name="Google Shape;115;p21"/>
+          <p:cNvPicPr preferRelativeResize="0"/>
+          <p:nvPr/>
+        </p:nvPicPr>
+        <p:blipFill>
+          <a:blip r:embed="rId4">
+            <a:alphaModFix/>
+          </a:blip>
+          <a:stretch>
+            <a:fillRect/>
+          </a:stretch>
+        </p:blipFill>
+        <p:spPr>
+          <a:xfrm>
+            <a:off x="166313" y="1740000"/>
+            <a:ext cx="4662338" cy="3125075"/>
+          </a:xfrm>
+          <a:prstGeom prst="rect">
+            <a:avLst/>
+          </a:prstGeom>
+          <a:noFill/>
+          <a:ln>
+            <a:noFill/>
+          </a:ln>
+        </p:spPr>
+      </p:pic>
     </p:spTree>
   </p:cSld>
   <p:clrMapOvr>
